--- a/adv_new/Module 06 - Threads.pptx
+++ b/adv_new/Module 06 - Threads.pptx
@@ -491,7 +491,7 @@
           <a:p>
             <a:fld id="{81043921-7569-41A3-B947-8944ED878C50}" type="datetimeFigureOut">
               <a:rPr lang="he-IL" smtClean="0"/>
-              <a:t>ד'/תמוז/תשפ"ג</a:t>
+              <a:t>כ'/תמוז/תשפ"ג</a:t>
             </a:fld>
             <a:endParaRPr lang="he-IL"/>
           </a:p>
@@ -1766,7 +1766,7 @@
           <a:p>
             <a:fld id="{A9D9B7D1-305C-49A9-9D59-000E5D30F1FD}" type="datetimeFigureOut">
               <a:rPr lang="he-IL" smtClean="0"/>
-              <a:t>ד'/תמוז/תשפ"ג</a:t>
+              <a:t>כ'/תמוז/תשפ"ג</a:t>
             </a:fld>
             <a:endParaRPr lang="he-IL"/>
           </a:p>
@@ -1966,7 +1966,7 @@
           <a:p>
             <a:fld id="{A9D9B7D1-305C-49A9-9D59-000E5D30F1FD}" type="datetimeFigureOut">
               <a:rPr lang="he-IL" smtClean="0"/>
-              <a:t>ד'/תמוז/תשפ"ג</a:t>
+              <a:t>כ'/תמוז/תשפ"ג</a:t>
             </a:fld>
             <a:endParaRPr lang="he-IL"/>
           </a:p>
@@ -2176,7 +2176,7 @@
           <a:p>
             <a:fld id="{A9D9B7D1-305C-49A9-9D59-000E5D30F1FD}" type="datetimeFigureOut">
               <a:rPr lang="he-IL" smtClean="0"/>
-              <a:t>ד'/תמוז/תשפ"ג</a:t>
+              <a:t>כ'/תמוז/תשפ"ג</a:t>
             </a:fld>
             <a:endParaRPr lang="he-IL"/>
           </a:p>
@@ -4183,7 +4183,7 @@
           <a:p>
             <a:fld id="{A9D9B7D1-305C-49A9-9D59-000E5D30F1FD}" type="datetimeFigureOut">
               <a:rPr lang="he-IL" smtClean="0"/>
-              <a:t>ד'/תמוז/תשפ"ג</a:t>
+              <a:t>כ'/תמוז/תשפ"ג</a:t>
             </a:fld>
             <a:endParaRPr lang="he-IL"/>
           </a:p>
@@ -4459,7 +4459,7 @@
           <a:p>
             <a:fld id="{A9D9B7D1-305C-49A9-9D59-000E5D30F1FD}" type="datetimeFigureOut">
               <a:rPr lang="he-IL" smtClean="0"/>
-              <a:t>ד'/תמוז/תשפ"ג</a:t>
+              <a:t>כ'/תמוז/תשפ"ג</a:t>
             </a:fld>
             <a:endParaRPr lang="he-IL"/>
           </a:p>
@@ -4727,7 +4727,7 @@
           <a:p>
             <a:fld id="{A9D9B7D1-305C-49A9-9D59-000E5D30F1FD}" type="datetimeFigureOut">
               <a:rPr lang="he-IL" smtClean="0"/>
-              <a:t>ד'/תמוז/תשפ"ג</a:t>
+              <a:t>כ'/תמוז/תשפ"ג</a:t>
             </a:fld>
             <a:endParaRPr lang="he-IL"/>
           </a:p>
@@ -5142,7 +5142,7 @@
           <a:p>
             <a:fld id="{A9D9B7D1-305C-49A9-9D59-000E5D30F1FD}" type="datetimeFigureOut">
               <a:rPr lang="he-IL" smtClean="0"/>
-              <a:t>ד'/תמוז/תשפ"ג</a:t>
+              <a:t>כ'/תמוז/תשפ"ג</a:t>
             </a:fld>
             <a:endParaRPr lang="he-IL"/>
           </a:p>
@@ -5284,7 +5284,7 @@
           <a:p>
             <a:fld id="{A9D9B7D1-305C-49A9-9D59-000E5D30F1FD}" type="datetimeFigureOut">
               <a:rPr lang="he-IL" smtClean="0"/>
-              <a:t>ד'/תמוז/תשפ"ג</a:t>
+              <a:t>כ'/תמוז/תשפ"ג</a:t>
             </a:fld>
             <a:endParaRPr lang="he-IL"/>
           </a:p>
@@ -5397,7 +5397,7 @@
           <a:p>
             <a:fld id="{A9D9B7D1-305C-49A9-9D59-000E5D30F1FD}" type="datetimeFigureOut">
               <a:rPr lang="he-IL" smtClean="0"/>
-              <a:t>ד'/תמוז/תשפ"ג</a:t>
+              <a:t>כ'/תמוז/תשפ"ג</a:t>
             </a:fld>
             <a:endParaRPr lang="he-IL"/>
           </a:p>
@@ -5710,7 +5710,7 @@
           <a:p>
             <a:fld id="{A9D9B7D1-305C-49A9-9D59-000E5D30F1FD}" type="datetimeFigureOut">
               <a:rPr lang="he-IL" smtClean="0"/>
-              <a:t>ד'/תמוז/תשפ"ג</a:t>
+              <a:t>כ'/תמוז/תשפ"ג</a:t>
             </a:fld>
             <a:endParaRPr lang="he-IL"/>
           </a:p>
@@ -5999,7 +5999,7 @@
           <a:p>
             <a:fld id="{A9D9B7D1-305C-49A9-9D59-000E5D30F1FD}" type="datetimeFigureOut">
               <a:rPr lang="he-IL" smtClean="0"/>
-              <a:t>ד'/תמוז/תשפ"ג</a:t>
+              <a:t>כ'/תמוז/תשפ"ג</a:t>
             </a:fld>
             <a:endParaRPr lang="he-IL"/>
           </a:p>
@@ -6242,7 +6242,7 @@
           <a:p>
             <a:fld id="{A9D9B7D1-305C-49A9-9D59-000E5D30F1FD}" type="datetimeFigureOut">
               <a:rPr lang="he-IL" smtClean="0"/>
-              <a:t>ד'/תמוז/תשפ"ג</a:t>
+              <a:t>כ'/תמוז/תשפ"ג</a:t>
             </a:fld>
             <a:endParaRPr lang="he-IL"/>
           </a:p>
@@ -6850,18 +6850,18 @@
         <p:spPr>
           <a:xfrm>
             <a:off x="838200" y="1690688"/>
-            <a:ext cx="10515600" cy="4486275"/>
+            <a:ext cx="4204317" cy="4486275"/>
           </a:xfrm>
         </p:spPr>
         <p:txBody>
           <a:bodyPr>
-            <a:normAutofit lnSpcReduction="10000"/>
+            <a:normAutofit/>
           </a:bodyPr>
           <a:lstStyle/>
           <a:p>
             <a:pPr fontAlgn="base"/>
             <a:r>
-              <a:rPr lang="en-US" sz="3200" b="0" i="0" dirty="0">
+              <a:rPr lang="en-US" sz="2000" b="0" i="0" dirty="0">
                 <a:solidFill>
                   <a:srgbClr val="000000"/>
                 </a:solidFill>
@@ -6872,7 +6872,7 @@
           </a:p>
           <a:p>
             <a:pPr fontAlgn="base"/>
-            <a:endParaRPr lang="en-US" sz="3200" b="0" i="0" dirty="0">
+            <a:endParaRPr lang="en-US" sz="2000" b="0" i="0" dirty="0">
               <a:solidFill>
                 <a:srgbClr val="000000"/>
               </a:solidFill>
@@ -6882,7 +6882,7 @@
           <a:p>
             <a:pPr fontAlgn="base"/>
             <a:r>
-              <a:rPr lang="en-US" sz="3200" b="0" i="0" dirty="0">
+              <a:rPr lang="en-US" sz="2000" b="0" i="0" dirty="0">
                 <a:solidFill>
                   <a:srgbClr val="000000"/>
                 </a:solidFill>
@@ -6893,7 +6893,7 @@
           </a:p>
           <a:p>
             <a:pPr fontAlgn="base"/>
-            <a:endParaRPr lang="en-US" sz="3200" dirty="0">
+            <a:endParaRPr lang="en-US" sz="2000" dirty="0">
               <a:solidFill>
                 <a:srgbClr val="000000"/>
               </a:solidFill>
@@ -6902,7 +6902,7 @@
           <a:p>
             <a:pPr fontAlgn="base"/>
             <a:r>
-              <a:rPr lang="en-US" sz="3200" b="0" i="0" dirty="0">
+              <a:rPr lang="en-US" sz="2000" b="0" i="0" dirty="0">
                 <a:solidFill>
                   <a:srgbClr val="000000"/>
                 </a:solidFill>
@@ -6910,7 +6910,7 @@
               </a:rPr>
               <a:t>These threads share the memory and the state of the process.</a:t>
             </a:r>
-            <a:endParaRPr lang="ru-RU" sz="3200" b="0" i="0" dirty="0">
+            <a:endParaRPr lang="ru-RU" sz="2000" b="0" i="0" dirty="0">
               <a:solidFill>
                 <a:srgbClr val="000000"/>
               </a:solidFill>
@@ -6919,6 +6919,53 @@
           </a:p>
         </p:txBody>
       </p:sp>
+      <p:pic>
+        <p:nvPicPr>
+          <p:cNvPr id="1028" name="Picture 4" descr="Multiprocessing in Python. Multiprocessing allows you to create… | by  Hitesh Mishra | Medium">
+            <a:extLst>
+              <a:ext uri="{FF2B5EF4-FFF2-40B4-BE49-F238E27FC236}">
+                <a16:creationId xmlns:a16="http://schemas.microsoft.com/office/drawing/2014/main" id="{4FE08782-934E-4271-B7C2-87BC8450F6A7}"/>
+              </a:ext>
+            </a:extLst>
+          </p:cNvPr>
+          <p:cNvPicPr>
+            <a:picLocks noChangeAspect="1" noChangeArrowheads="1"/>
+          </p:cNvPicPr>
+          <p:nvPr/>
+        </p:nvPicPr>
+        <p:blipFill>
+          <a:blip r:embed="rId3">
+            <a:extLst>
+              <a:ext uri="{28A0092B-C50C-407E-A947-70E740481C1C}">
+                <a14:useLocalDpi xmlns:a14="http://schemas.microsoft.com/office/drawing/2010/main" val="0"/>
+              </a:ext>
+            </a:extLst>
+          </a:blip>
+          <a:srcRect/>
+          <a:stretch>
+            <a:fillRect/>
+          </a:stretch>
+        </p:blipFill>
+        <p:spPr bwMode="auto">
+          <a:xfrm>
+            <a:off x="4924425" y="1883206"/>
+            <a:ext cx="7267575" cy="3695700"/>
+          </a:xfrm>
+          <a:prstGeom prst="rect">
+            <a:avLst/>
+          </a:prstGeom>
+          <a:noFill/>
+          <a:extLst>
+            <a:ext uri="{909E8E84-426E-40DD-AFC4-6F175D3DCCD1}">
+              <a14:hiddenFill xmlns:a14="http://schemas.microsoft.com/office/drawing/2010/main">
+                <a:solidFill>
+                  <a:srgbClr val="FFFFFF"/>
+                </a:solidFill>
+              </a14:hiddenFill>
+            </a:ext>
+          </a:extLst>
+        </p:spPr>
+      </p:pic>
     </p:spTree>
     <p:extLst>
       <p:ext uri="{BB962C8B-B14F-4D97-AF65-F5344CB8AC3E}">
@@ -8372,10 +8419,15 @@
             <p:ph idx="1"/>
           </p:nvPr>
         </p:nvSpPr>
-        <p:spPr/>
+        <p:spPr>
+          <a:xfrm>
+            <a:off x="838200" y="1825625"/>
+            <a:ext cx="10515600" cy="1974018"/>
+          </a:xfrm>
+        </p:spPr>
         <p:txBody>
           <a:bodyPr>
-            <a:normAutofit/>
+            <a:normAutofit fontScale="62500" lnSpcReduction="20000"/>
           </a:bodyPr>
           <a:lstStyle/>
           <a:p>
@@ -8521,6 +8573,53 @@
           </a:p>
         </p:txBody>
       </p:sp>
+      <p:pic>
+        <p:nvPicPr>
+          <p:cNvPr id="2050" name="Picture 2" descr="Step Forward on Twitter: &quot;&quot;In CPython, the global interpreter lock, or GIL,  is a mutex that protects access to Python objects, preventing multiple  threads from executing Python bytecodes at once&quot;. #PYTHON_BYTECODES  #MEMORY_MANAGEMENT #">
+            <a:extLst>
+              <a:ext uri="{FF2B5EF4-FFF2-40B4-BE49-F238E27FC236}">
+                <a16:creationId xmlns:a16="http://schemas.microsoft.com/office/drawing/2014/main" id="{65FD509D-EBFB-4F7D-920A-AEB643F406BF}"/>
+              </a:ext>
+            </a:extLst>
+          </p:cNvPr>
+          <p:cNvPicPr>
+            <a:picLocks noChangeAspect="1" noChangeArrowheads="1"/>
+          </p:cNvPicPr>
+          <p:nvPr/>
+        </p:nvPicPr>
+        <p:blipFill>
+          <a:blip r:embed="rId3">
+            <a:extLst>
+              <a:ext uri="{28A0092B-C50C-407E-A947-70E740481C1C}">
+                <a14:useLocalDpi xmlns:a14="http://schemas.microsoft.com/office/drawing/2010/main" val="0"/>
+              </a:ext>
+            </a:extLst>
+          </a:blip>
+          <a:srcRect/>
+          <a:stretch>
+            <a:fillRect/>
+          </a:stretch>
+        </p:blipFill>
+        <p:spPr bwMode="auto">
+          <a:xfrm>
+            <a:off x="2992099" y="3934580"/>
+            <a:ext cx="5051069" cy="2699382"/>
+          </a:xfrm>
+          <a:prstGeom prst="rect">
+            <a:avLst/>
+          </a:prstGeom>
+          <a:noFill/>
+          <a:extLst>
+            <a:ext uri="{909E8E84-426E-40DD-AFC4-6F175D3DCCD1}">
+              <a14:hiddenFill xmlns:a14="http://schemas.microsoft.com/office/drawing/2010/main">
+                <a:solidFill>
+                  <a:srgbClr val="FFFFFF"/>
+                </a:solidFill>
+              </a14:hiddenFill>
+            </a:ext>
+          </a:extLst>
+        </p:spPr>
+      </p:pic>
     </p:spTree>
     <p:extLst>
       <p:ext uri="{BB962C8B-B14F-4D97-AF65-F5344CB8AC3E}">

--- a/adv_new/Module 06 - Threads.pptx
+++ b/adv_new/Module 06 - Threads.pptx
@@ -5,10 +5,10 @@
     <p:sldMasterId id="2147483648" r:id="rId1"/>
   </p:sldMasterIdLst>
   <p:notesMasterIdLst>
-    <p:notesMasterId r:id="rId13"/>
+    <p:notesMasterId r:id="rId12"/>
   </p:notesMasterIdLst>
   <p:sldIdLst>
-    <p:sldId id="321" r:id="rId2"/>
+    <p:sldId id="336" r:id="rId2"/>
     <p:sldId id="264" r:id="rId3"/>
     <p:sldId id="322" r:id="rId4"/>
     <p:sldId id="265" r:id="rId5"/>
@@ -16,9 +16,8 @@
     <p:sldId id="320" r:id="rId7"/>
     <p:sldId id="266" r:id="rId8"/>
     <p:sldId id="325" r:id="rId9"/>
-    <p:sldId id="308" r:id="rId10"/>
-    <p:sldId id="294" r:id="rId11"/>
-    <p:sldId id="316" r:id="rId12"/>
+    <p:sldId id="294" r:id="rId10"/>
+    <p:sldId id="316" r:id="rId11"/>
   </p:sldIdLst>
   <p:sldSz cx="12192000" cy="6858000"/>
   <p:notesSz cx="6858000" cy="9144000"/>
@@ -760,11 +759,11 @@
 </file>
 
 <file path=ppt/notesSlides/notesSlide1.xml><?xml version="1.0" encoding="utf-8"?>
-<p:notes xmlns:a="http://schemas.openxmlformats.org/drawingml/2006/main" xmlns:r="http://schemas.openxmlformats.org/officeDocument/2006/relationships" xmlns:p="http://schemas.openxmlformats.org/presentationml/2006/main">
+<p:notes xmlns:a="http://schemas.openxmlformats.org/drawingml/2006/main" xmlns:r="http://schemas.openxmlformats.org/officeDocument/2006/relationships" xmlns:p="http://schemas.openxmlformats.org/presentationml/2006/main" showMasterSp="0" showMasterPhAnim="0">
   <p:cSld>
     <p:spTree>
       <p:nvGrpSpPr>
-        <p:cNvPr id="1" name=""/>
+        <p:cNvPr id="1" name="Shape 158"/>
         <p:cNvGrpSpPr/>
         <p:nvPr/>
       </p:nvGrpSpPr>
@@ -778,207 +777,84 @@
       </p:grpSpPr>
       <p:sp>
         <p:nvSpPr>
-          <p:cNvPr id="2" name="Slide Image Placeholder 1"/>
-          <p:cNvSpPr>
-            <a:spLocks noGrp="1" noRot="1" noChangeAspect="1"/>
-          </p:cNvSpPr>
-          <p:nvPr>
-            <p:ph type="sldImg"/>
-          </p:nvPr>
-        </p:nvSpPr>
-        <p:spPr/>
-      </p:sp>
-      <p:sp>
-        <p:nvSpPr>
-          <p:cNvPr id="3" name="Notes Placeholder 2"/>
-          <p:cNvSpPr>
+          <p:cNvPr id="159" name="Google Shape;159;p3:notes"/>
+          <p:cNvSpPr txBox="1">
             <a:spLocks noGrp="1"/>
           </p:cNvSpPr>
           <p:nvPr>
             <p:ph type="body" idx="1"/>
           </p:nvPr>
         </p:nvSpPr>
-        <p:spPr/>
-        <p:txBody>
-          <a:bodyPr/>
+        <p:spPr>
+          <a:xfrm>
+            <a:off x="685800" y="4400550"/>
+            <a:ext cx="5486400" cy="3600450"/>
+          </a:xfrm>
+          <a:prstGeom prst="rect">
+            <a:avLst/>
+          </a:prstGeom>
+        </p:spPr>
+        <p:txBody>
+          <a:bodyPr spcFirstLastPara="1" wrap="square" lIns="91425" tIns="45700" rIns="91425" bIns="45700" anchor="t" anchorCtr="0">
+            <a:noAutofit/>
+          </a:bodyPr>
           <a:lstStyle/>
           <a:p>
-            <a:r>
-              <a:rPr lang="en-US" dirty="0"/>
-              <a:t>Python is dynamically-typed and garbage-collected. It supports multiple programming paradigms, including structured (particularly, procedural), object-oriented and functional programming.</a:t>
-            </a:r>
-          </a:p>
-          <a:p>
-            <a:endParaRPr lang="en-US" sz="1200" dirty="0">
-              <a:cs typeface="Calibri"/>
-            </a:endParaRPr>
-          </a:p>
-          <a:p>
-            <a:r>
-              <a:rPr lang="en-US" dirty="0">
-                <a:cs typeface="Calibri"/>
-              </a:rPr>
-              <a:t>It was built to be as readable as possible, and is </a:t>
-            </a:r>
-            <a:r>
-              <a:rPr lang="en-US" dirty="0"/>
-              <a:t>significant indentation driven (Off-side rule).</a:t>
-            </a:r>
-            <a:endParaRPr lang="en-US" dirty="0">
-              <a:cs typeface="Calibri"/>
-            </a:endParaRPr>
-          </a:p>
-          <a:p>
-            <a:pPr algn="l" rtl="0" eaLnBrk="1" hangingPunct="1"/>
-            <a:endParaRPr lang="en-US"/>
-          </a:p>
-          <a:p>
-            <a:r>
-              <a:rPr lang="en-US" dirty="0"/>
-              <a:t>The language's core philosophy is summarized in the document </a:t>
-            </a:r>
-            <a:r>
-              <a:rPr lang="en-US" i="1" dirty="0"/>
-              <a:t>The Zen of Python</a:t>
-            </a:r>
-            <a:r>
-              <a:rPr lang="en-US" dirty="0"/>
-              <a:t> (</a:t>
-            </a:r>
-            <a:r>
-              <a:rPr lang="en-US" i="1" dirty="0"/>
-              <a:t>PEP 20</a:t>
-            </a:r>
-            <a:r>
-              <a:rPr lang="en-US" dirty="0"/>
-              <a:t>), which includes aphorisms such as:</a:t>
-            </a:r>
-            <a:endParaRPr lang="en-US" dirty="0">
-              <a:cs typeface="Calibri"/>
-            </a:endParaRPr>
-          </a:p>
-          <a:p>
-            <a:pPr marL="285750" indent="-285750">
-              <a:buFont typeface="Arial"/>
-              <a:buChar char="•"/>
+            <a:pPr marL="0" lvl="0" indent="0" algn="l" rtl="0">
+              <a:spcBef>
+                <a:spcPts val="0"/>
+              </a:spcBef>
+              <a:spcAft>
+                <a:spcPts val="0"/>
+              </a:spcAft>
+              <a:buNone/>
             </a:pPr>
-            <a:r>
-              <a:rPr lang="en-US" dirty="0"/>
-              <a:t>Beautiful is better than ugly.</a:t>
-            </a:r>
-            <a:endParaRPr lang="en-US" dirty="0">
-              <a:cs typeface="Calibri"/>
-            </a:endParaRPr>
-          </a:p>
-          <a:p>
-            <a:pPr marL="285750" indent="-285750">
-              <a:buFont typeface="Arial"/>
-              <a:buChar char="•"/>
-            </a:pPr>
-            <a:r>
-              <a:rPr lang="en-US" dirty="0"/>
-              <a:t>Explicit is better than implicit.</a:t>
-            </a:r>
-            <a:endParaRPr lang="en-US" dirty="0">
-              <a:cs typeface="Calibri"/>
-            </a:endParaRPr>
-          </a:p>
-          <a:p>
-            <a:pPr marL="285750" indent="-285750">
-              <a:buFont typeface="Arial"/>
-              <a:buChar char="•"/>
-            </a:pPr>
-            <a:r>
-              <a:rPr lang="en-US" dirty="0"/>
-              <a:t>Simple is better than complex.</a:t>
-            </a:r>
-            <a:endParaRPr lang="en-US" dirty="0">
-              <a:cs typeface="Calibri"/>
-            </a:endParaRPr>
-          </a:p>
-          <a:p>
-            <a:pPr marL="285750" indent="-285750">
-              <a:buFont typeface="Arial"/>
-              <a:buChar char="•"/>
-            </a:pPr>
-            <a:r>
-              <a:rPr lang="en-US" dirty="0"/>
-              <a:t>Complex is better than complicated.</a:t>
-            </a:r>
-            <a:endParaRPr lang="en-US" dirty="0">
-              <a:cs typeface="Calibri"/>
-            </a:endParaRPr>
-          </a:p>
-          <a:p>
-            <a:pPr marL="285750" indent="-285750">
-              <a:buFont typeface="Arial"/>
-              <a:buChar char="•"/>
-            </a:pPr>
-            <a:r>
-              <a:rPr lang="en-US" dirty="0"/>
-              <a:t>Readability counts.</a:t>
-            </a:r>
-            <a:endParaRPr lang="en-US" dirty="0">
-              <a:cs typeface="Calibri"/>
-            </a:endParaRPr>
-          </a:p>
-          <a:p>
-            <a:pPr algn="l"/>
-            <a:endParaRPr lang="en-US" dirty="0">
-              <a:cs typeface="Calibri"/>
-            </a:endParaRPr>
-          </a:p>
-          <a:p>
-            <a:endParaRPr lang="en-US" u="sng"/>
-          </a:p>
-          <a:p>
-            <a:pPr algn="l" rtl="0" eaLnBrk="1" hangingPunct="1"/>
-            <a:r>
-              <a:rPr lang="en-US" u="sng" dirty="0"/>
-              <a:t>For further reading:</a:t>
-            </a:r>
-          </a:p>
-          <a:p>
-            <a:r>
-              <a:rPr lang="en-US" dirty="0">
-                <a:hlinkClick r:id="rId3"/>
-              </a:rPr>
-              <a:t>Python (programming language) - Wikipedia</a:t>
-            </a:r>
-            <a:endParaRPr lang="en-US"/>
-          </a:p>
-        </p:txBody>
-      </p:sp>
-      <p:sp>
-        <p:nvSpPr>
-          <p:cNvPr id="4" name="Slide Number Placeholder 3"/>
+            <a:endParaRPr/>
+          </a:p>
+        </p:txBody>
+      </p:sp>
+      <p:sp>
+        <p:nvSpPr>
+          <p:cNvPr id="160" name="Google Shape;160;p3:notes"/>
           <p:cNvSpPr>
-            <a:spLocks noGrp="1"/>
+            <a:spLocks noGrp="1" noRot="1" noChangeAspect="1"/>
           </p:cNvSpPr>
           <p:nvPr>
-            <p:ph type="sldNum" sz="quarter" idx="10"/>
+            <p:ph type="sldImg" idx="2"/>
           </p:nvPr>
         </p:nvSpPr>
-        <p:spPr/>
-        <p:txBody>
-          <a:bodyPr/>
-          <a:lstStyle/>
-          <a:p>
-            <a:fld id="{C18343ED-3762-4D46-A439-B4D407E13EF8}" type="slidenum">
-              <a:rPr lang="en-US" smtClean="0"/>
-              <a:pPr/>
-              <a:t>2</a:t>
-            </a:fld>
-            <a:endParaRPr lang="en-US"/>
-          </a:p>
-        </p:txBody>
+        <p:spPr>
+          <a:xfrm>
+            <a:off x="685800" y="1143000"/>
+            <a:ext cx="5486400" cy="3086100"/>
+          </a:xfrm>
+          <a:custGeom>
+            <a:avLst/>
+            <a:gdLst/>
+            <a:ahLst/>
+            <a:cxnLst/>
+            <a:rect l="l" t="t" r="r" b="b"/>
+            <a:pathLst>
+              <a:path w="120000" h="120000" extrusionOk="0">
+                <a:moveTo>
+                  <a:pt x="0" y="0"/>
+                </a:moveTo>
+                <a:lnTo>
+                  <a:pt x="120000" y="0"/>
+                </a:lnTo>
+                <a:lnTo>
+                  <a:pt x="120000" y="120000"/>
+                </a:lnTo>
+                <a:lnTo>
+                  <a:pt x="0" y="120000"/>
+                </a:lnTo>
+                <a:close/>
+              </a:path>
+            </a:pathLst>
+          </a:custGeom>
+        </p:spPr>
       </p:sp>
     </p:spTree>
-    <p:extLst>
-      <p:ext uri="{BB962C8B-B14F-4D97-AF65-F5344CB8AC3E}">
-        <p14:creationId xmlns:p14="http://schemas.microsoft.com/office/powerpoint/2010/main" val="3003253182"/>
-      </p:ext>
-    </p:extLst>
   </p:cSld>
   <p:clrMapOvr>
     <a:masterClrMapping/>
@@ -1194,7 +1070,7 @@
             <a:fld id="{C18343ED-3762-4D46-A439-B4D407E13EF8}" type="slidenum">
               <a:rPr lang="en-US" smtClean="0"/>
               <a:pPr/>
-              <a:t>3</a:t>
+              <a:t>2</a:t>
             </a:fld>
             <a:endParaRPr lang="en-US"/>
           </a:p>
@@ -1203,7 +1079,7 @@
     </p:spTree>
     <p:extLst>
       <p:ext uri="{BB962C8B-B14F-4D97-AF65-F5344CB8AC3E}">
-        <p14:creationId xmlns:p14="http://schemas.microsoft.com/office/powerpoint/2010/main" val="2030585090"/>
+        <p14:creationId xmlns:p14="http://schemas.microsoft.com/office/powerpoint/2010/main" val="3003253182"/>
       </p:ext>
     </p:extLst>
   </p:cSld>
@@ -1258,6 +1134,233 @@
           <a:lstStyle/>
           <a:p>
             <a:r>
+              <a:rPr lang="en-US" dirty="0"/>
+              <a:t>Python is dynamically-typed and garbage-collected. It supports multiple programming paradigms, including structured (particularly, procedural), object-oriented and functional programming.</a:t>
+            </a:r>
+          </a:p>
+          <a:p>
+            <a:endParaRPr lang="en-US" sz="1200" dirty="0">
+              <a:cs typeface="Calibri"/>
+            </a:endParaRPr>
+          </a:p>
+          <a:p>
+            <a:r>
+              <a:rPr lang="en-US" dirty="0">
+                <a:cs typeface="Calibri"/>
+              </a:rPr>
+              <a:t>It was built to be as readable as possible, and is </a:t>
+            </a:r>
+            <a:r>
+              <a:rPr lang="en-US" dirty="0"/>
+              <a:t>significant indentation driven (Off-side rule).</a:t>
+            </a:r>
+            <a:endParaRPr lang="en-US" dirty="0">
+              <a:cs typeface="Calibri"/>
+            </a:endParaRPr>
+          </a:p>
+          <a:p>
+            <a:pPr algn="l" rtl="0" eaLnBrk="1" hangingPunct="1"/>
+            <a:endParaRPr lang="en-US"/>
+          </a:p>
+          <a:p>
+            <a:r>
+              <a:rPr lang="en-US" dirty="0"/>
+              <a:t>The language's core philosophy is summarized in the document </a:t>
+            </a:r>
+            <a:r>
+              <a:rPr lang="en-US" i="1" dirty="0"/>
+              <a:t>The Zen of Python</a:t>
+            </a:r>
+            <a:r>
+              <a:rPr lang="en-US" dirty="0"/>
+              <a:t> (</a:t>
+            </a:r>
+            <a:r>
+              <a:rPr lang="en-US" i="1" dirty="0"/>
+              <a:t>PEP 20</a:t>
+            </a:r>
+            <a:r>
+              <a:rPr lang="en-US" dirty="0"/>
+              <a:t>), which includes aphorisms such as:</a:t>
+            </a:r>
+            <a:endParaRPr lang="en-US" dirty="0">
+              <a:cs typeface="Calibri"/>
+            </a:endParaRPr>
+          </a:p>
+          <a:p>
+            <a:pPr marL="285750" indent="-285750">
+              <a:buFont typeface="Arial"/>
+              <a:buChar char="•"/>
+            </a:pPr>
+            <a:r>
+              <a:rPr lang="en-US" dirty="0"/>
+              <a:t>Beautiful is better than ugly.</a:t>
+            </a:r>
+            <a:endParaRPr lang="en-US" dirty="0">
+              <a:cs typeface="Calibri"/>
+            </a:endParaRPr>
+          </a:p>
+          <a:p>
+            <a:pPr marL="285750" indent="-285750">
+              <a:buFont typeface="Arial"/>
+              <a:buChar char="•"/>
+            </a:pPr>
+            <a:r>
+              <a:rPr lang="en-US" dirty="0"/>
+              <a:t>Explicit is better than implicit.</a:t>
+            </a:r>
+            <a:endParaRPr lang="en-US" dirty="0">
+              <a:cs typeface="Calibri"/>
+            </a:endParaRPr>
+          </a:p>
+          <a:p>
+            <a:pPr marL="285750" indent="-285750">
+              <a:buFont typeface="Arial"/>
+              <a:buChar char="•"/>
+            </a:pPr>
+            <a:r>
+              <a:rPr lang="en-US" dirty="0"/>
+              <a:t>Simple is better than complex.</a:t>
+            </a:r>
+            <a:endParaRPr lang="en-US" dirty="0">
+              <a:cs typeface="Calibri"/>
+            </a:endParaRPr>
+          </a:p>
+          <a:p>
+            <a:pPr marL="285750" indent="-285750">
+              <a:buFont typeface="Arial"/>
+              <a:buChar char="•"/>
+            </a:pPr>
+            <a:r>
+              <a:rPr lang="en-US" dirty="0"/>
+              <a:t>Complex is better than complicated.</a:t>
+            </a:r>
+            <a:endParaRPr lang="en-US" dirty="0">
+              <a:cs typeface="Calibri"/>
+            </a:endParaRPr>
+          </a:p>
+          <a:p>
+            <a:pPr marL="285750" indent="-285750">
+              <a:buFont typeface="Arial"/>
+              <a:buChar char="•"/>
+            </a:pPr>
+            <a:r>
+              <a:rPr lang="en-US" dirty="0"/>
+              <a:t>Readability counts.</a:t>
+            </a:r>
+            <a:endParaRPr lang="en-US" dirty="0">
+              <a:cs typeface="Calibri"/>
+            </a:endParaRPr>
+          </a:p>
+          <a:p>
+            <a:pPr algn="l"/>
+            <a:endParaRPr lang="en-US" dirty="0">
+              <a:cs typeface="Calibri"/>
+            </a:endParaRPr>
+          </a:p>
+          <a:p>
+            <a:endParaRPr lang="en-US" u="sng"/>
+          </a:p>
+          <a:p>
+            <a:pPr algn="l" rtl="0" eaLnBrk="1" hangingPunct="1"/>
+            <a:r>
+              <a:rPr lang="en-US" u="sng" dirty="0"/>
+              <a:t>For further reading:</a:t>
+            </a:r>
+          </a:p>
+          <a:p>
+            <a:r>
+              <a:rPr lang="en-US" dirty="0">
+                <a:hlinkClick r:id="rId3"/>
+              </a:rPr>
+              <a:t>Python (programming language) - Wikipedia</a:t>
+            </a:r>
+            <a:endParaRPr lang="en-US"/>
+          </a:p>
+        </p:txBody>
+      </p:sp>
+      <p:sp>
+        <p:nvSpPr>
+          <p:cNvPr id="4" name="Slide Number Placeholder 3"/>
+          <p:cNvSpPr>
+            <a:spLocks noGrp="1"/>
+          </p:cNvSpPr>
+          <p:nvPr>
+            <p:ph type="sldNum" sz="quarter" idx="10"/>
+          </p:nvPr>
+        </p:nvSpPr>
+        <p:spPr/>
+        <p:txBody>
+          <a:bodyPr/>
+          <a:lstStyle/>
+          <a:p>
+            <a:fld id="{C18343ED-3762-4D46-A439-B4D407E13EF8}" type="slidenum">
+              <a:rPr lang="en-US" smtClean="0"/>
+              <a:pPr/>
+              <a:t>3</a:t>
+            </a:fld>
+            <a:endParaRPr lang="en-US"/>
+          </a:p>
+        </p:txBody>
+      </p:sp>
+    </p:spTree>
+    <p:extLst>
+      <p:ext uri="{BB962C8B-B14F-4D97-AF65-F5344CB8AC3E}">
+        <p14:creationId xmlns:p14="http://schemas.microsoft.com/office/powerpoint/2010/main" val="2030585090"/>
+      </p:ext>
+    </p:extLst>
+  </p:cSld>
+  <p:clrMapOvr>
+    <a:masterClrMapping/>
+  </p:clrMapOvr>
+</p:notes>
+</file>
+
+<file path=ppt/notesSlides/notesSlide4.xml><?xml version="1.0" encoding="utf-8"?>
+<p:notes xmlns:a="http://schemas.openxmlformats.org/drawingml/2006/main" xmlns:r="http://schemas.openxmlformats.org/officeDocument/2006/relationships" xmlns:p="http://schemas.openxmlformats.org/presentationml/2006/main">
+  <p:cSld>
+    <p:spTree>
+      <p:nvGrpSpPr>
+        <p:cNvPr id="1" name=""/>
+        <p:cNvGrpSpPr/>
+        <p:nvPr/>
+      </p:nvGrpSpPr>
+      <p:grpSpPr>
+        <a:xfrm>
+          <a:off x="0" y="0"/>
+          <a:ext cx="0" cy="0"/>
+          <a:chOff x="0" y="0"/>
+          <a:chExt cx="0" cy="0"/>
+        </a:xfrm>
+      </p:grpSpPr>
+      <p:sp>
+        <p:nvSpPr>
+          <p:cNvPr id="2" name="Slide Image Placeholder 1"/>
+          <p:cNvSpPr>
+            <a:spLocks noGrp="1" noRot="1" noChangeAspect="1"/>
+          </p:cNvSpPr>
+          <p:nvPr>
+            <p:ph type="sldImg"/>
+          </p:nvPr>
+        </p:nvSpPr>
+        <p:spPr/>
+      </p:sp>
+      <p:sp>
+        <p:nvSpPr>
+          <p:cNvPr id="3" name="Notes Placeholder 2"/>
+          <p:cNvSpPr>
+            <a:spLocks noGrp="1"/>
+          </p:cNvSpPr>
+          <p:nvPr>
+            <p:ph type="body" idx="1"/>
+          </p:nvPr>
+        </p:nvSpPr>
+        <p:spPr/>
+        <p:txBody>
+          <a:bodyPr/>
+          <a:lstStyle/>
+          <a:p>
+            <a:r>
               <a:rPr lang="en-US" dirty="0">
                 <a:solidFill>
                   <a:srgbClr val="000000"/>
@@ -1415,7 +1518,7 @@
 </p:notes>
 </file>
 
-<file path=ppt/notesSlides/notesSlide4.xml><?xml version="1.0" encoding="utf-8"?>
+<file path=ppt/notesSlides/notesSlide5.xml><?xml version="1.0" encoding="utf-8"?>
 <p:notes xmlns:a="http://schemas.openxmlformats.org/drawingml/2006/main" xmlns:r="http://schemas.openxmlformats.org/officeDocument/2006/relationships" xmlns:p="http://schemas.openxmlformats.org/presentationml/2006/main">
   <p:cSld>
     <p:spTree>
@@ -2250,298 +2353,6 @@
 </file>
 
 <file path=ppt/slideLayouts/slideLayout12.xml><?xml version="1.0" encoding="utf-8"?>
-<p:sldLayout xmlns:a="http://schemas.openxmlformats.org/drawingml/2006/main" xmlns:r="http://schemas.openxmlformats.org/officeDocument/2006/relationships" xmlns:p="http://schemas.openxmlformats.org/presentationml/2006/main" userDrawn="1">
-  <p:cSld name="1_Title Slide">
-    <p:spTree>
-      <p:nvGrpSpPr>
-        <p:cNvPr id="1" name=""/>
-        <p:cNvGrpSpPr/>
-        <p:nvPr/>
-      </p:nvGrpSpPr>
-      <p:grpSpPr>
-        <a:xfrm>
-          <a:off x="0" y="0"/>
-          <a:ext cx="0" cy="0"/>
-          <a:chOff x="0" y="0"/>
-          <a:chExt cx="0" cy="0"/>
-        </a:xfrm>
-      </p:grpSpPr>
-      <p:sp>
-        <p:nvSpPr>
-          <p:cNvPr id="2" name="Title 1"/>
-          <p:cNvSpPr>
-            <a:spLocks noGrp="1"/>
-          </p:cNvSpPr>
-          <p:nvPr>
-            <p:ph type="ctrTitle"/>
-          </p:nvPr>
-        </p:nvSpPr>
-        <p:spPr>
-          <a:xfrm>
-            <a:off x="774049" y="1340768"/>
-            <a:ext cx="9850763" cy="1085850"/>
-          </a:xfrm>
-        </p:spPr>
-        <p:txBody>
-          <a:bodyPr vert="horz" lIns="0" tIns="45720" rIns="91440" bIns="45720" rtlCol="0" anchor="t" anchorCtr="0">
-            <a:normAutofit/>
-          </a:bodyPr>
-          <a:lstStyle>
-            <a:lvl1pPr>
-              <a:defRPr lang="en-US" sz="3200" dirty="0">
-                <a:ln w="3175">
-                  <a:noFill/>
-                </a:ln>
-              </a:defRPr>
-            </a:lvl1pPr>
-          </a:lstStyle>
-          <a:p>
-            <a:pPr lvl="0"/>
-            <a:r>
-              <a:rPr lang="en-US"/>
-              <a:t>Click to edit Master title style</a:t>
-            </a:r>
-          </a:p>
-        </p:txBody>
-      </p:sp>
-      <p:sp>
-        <p:nvSpPr>
-          <p:cNvPr id="11" name="TextBox 10"/>
-          <p:cNvSpPr txBox="1"/>
-          <p:nvPr userDrawn="1"/>
-        </p:nvSpPr>
-        <p:spPr>
-          <a:xfrm>
-            <a:off x="774050" y="6362070"/>
-            <a:ext cx="10506527" cy="261610"/>
-          </a:xfrm>
-          <a:prstGeom prst="rect">
-            <a:avLst/>
-          </a:prstGeom>
-          <a:noFill/>
-        </p:spPr>
-        <p:txBody>
-          <a:bodyPr wrap="square" lIns="0" rtlCol="0">
-            <a:spAutoFit/>
-          </a:bodyPr>
-          <a:lstStyle/>
-          <a:p>
-            <a:pPr algn="l"/>
-            <a:r>
-              <a:rPr lang="en-US" sz="1100" kern="1200">
-                <a:solidFill>
-                  <a:schemeClr val="tx1">
-                    <a:lumMod val="85000"/>
-                    <a:lumOff val="15000"/>
-                  </a:schemeClr>
-                </a:solidFill>
-                <a:latin typeface="Segoe" panose="020B0502040504020203" pitchFamily="34" charset="0"/>
-                <a:ea typeface="+mn-ea"/>
-                <a:cs typeface="+mn-cs"/>
-              </a:rPr>
-              <a:t>Copyright © SELA Software &amp; Education Labs, Ltd. | 14-18 Baruch Hirsch St., </a:t>
-            </a:r>
-            <a:r>
-              <a:rPr lang="en-US" sz="1100" kern="1200" err="1">
-                <a:solidFill>
-                  <a:schemeClr val="tx1">
-                    <a:lumMod val="85000"/>
-                    <a:lumOff val="15000"/>
-                  </a:schemeClr>
-                </a:solidFill>
-                <a:latin typeface="Segoe" panose="020B0502040504020203" pitchFamily="34" charset="0"/>
-                <a:ea typeface="+mn-ea"/>
-                <a:cs typeface="+mn-cs"/>
-              </a:rPr>
-              <a:t>Bnei</a:t>
-            </a:r>
-            <a:r>
-              <a:rPr lang="en-US" sz="1100" kern="1200">
-                <a:solidFill>
-                  <a:schemeClr val="tx1">
-                    <a:lumMod val="85000"/>
-                    <a:lumOff val="15000"/>
-                  </a:schemeClr>
-                </a:solidFill>
-                <a:latin typeface="Segoe" panose="020B0502040504020203" pitchFamily="34" charset="0"/>
-                <a:ea typeface="+mn-ea"/>
-                <a:cs typeface="+mn-cs"/>
-              </a:rPr>
-              <a:t> </a:t>
-            </a:r>
-            <a:r>
-              <a:rPr lang="en-US" sz="1100" kern="1200" err="1">
-                <a:solidFill>
-                  <a:schemeClr val="tx1">
-                    <a:lumMod val="85000"/>
-                    <a:lumOff val="15000"/>
-                  </a:schemeClr>
-                </a:solidFill>
-                <a:latin typeface="Segoe" panose="020B0502040504020203" pitchFamily="34" charset="0"/>
-                <a:ea typeface="+mn-ea"/>
-                <a:cs typeface="+mn-cs"/>
-              </a:rPr>
-              <a:t>Brak</a:t>
-            </a:r>
-            <a:r>
-              <a:rPr lang="en-US" sz="1100" kern="1200">
-                <a:solidFill>
-                  <a:schemeClr val="tx1">
-                    <a:lumMod val="85000"/>
-                    <a:lumOff val="15000"/>
-                  </a:schemeClr>
-                </a:solidFill>
-                <a:latin typeface="Segoe" panose="020B0502040504020203" pitchFamily="34" charset="0"/>
-                <a:ea typeface="+mn-ea"/>
-                <a:cs typeface="+mn-cs"/>
-              </a:rPr>
-              <a:t> 51202, Israel | www.selagroup.com</a:t>
-            </a:r>
-            <a:endParaRPr lang="en-US" sz="800">
-              <a:solidFill>
-                <a:schemeClr val="tx1">
-                  <a:lumMod val="85000"/>
-                  <a:lumOff val="15000"/>
-                </a:schemeClr>
-              </a:solidFill>
-              <a:latin typeface="Segoe" panose="020B0502040504020203" pitchFamily="34" charset="0"/>
-            </a:endParaRPr>
-          </a:p>
-        </p:txBody>
-      </p:sp>
-      <p:pic>
-        <p:nvPicPr>
-          <p:cNvPr id="13" name="Picture 12"/>
-          <p:cNvPicPr>
-            <a:picLocks noChangeAspect="1"/>
-          </p:cNvPicPr>
-          <p:nvPr userDrawn="1"/>
-        </p:nvPicPr>
-        <p:blipFill>
-          <a:blip r:embed="rId2" cstate="print">
-            <a:extLst>
-              <a:ext uri="{28A0092B-C50C-407E-A947-70E740481C1C}">
-                <a14:useLocalDpi xmlns:a14="http://schemas.microsoft.com/office/drawing/2010/main" val="0"/>
-              </a:ext>
-            </a:extLst>
-          </a:blip>
-          <a:stretch>
-            <a:fillRect/>
-          </a:stretch>
-        </p:blipFill>
-        <p:spPr>
-          <a:xfrm>
-            <a:off x="774050" y="534798"/>
-            <a:ext cx="3509932" cy="483907"/>
-          </a:xfrm>
-          <a:prstGeom prst="rect">
-            <a:avLst/>
-          </a:prstGeom>
-        </p:spPr>
-      </p:pic>
-      <p:sp>
-        <p:nvSpPr>
-          <p:cNvPr id="7" name="Text Placeholder 6"/>
-          <p:cNvSpPr>
-            <a:spLocks noGrp="1"/>
-          </p:cNvSpPr>
-          <p:nvPr>
-            <p:ph type="body" sz="quarter" idx="10"/>
-          </p:nvPr>
-        </p:nvSpPr>
-        <p:spPr>
-          <a:xfrm>
-            <a:off x="774701" y="2427289"/>
-            <a:ext cx="9850967" cy="1362075"/>
-          </a:xfrm>
-          <a:prstGeom prst="rect">
-            <a:avLst/>
-          </a:prstGeom>
-        </p:spPr>
-        <p:txBody>
-          <a:bodyPr/>
-          <a:lstStyle>
-            <a:lvl1pPr marL="0" marR="0" indent="0" algn="l" defTabSz="914400" rtl="0" eaLnBrk="1" fontAlgn="auto" latinLnBrk="0" hangingPunct="1">
-              <a:lnSpc>
-                <a:spcPct val="100000"/>
-              </a:lnSpc>
-              <a:spcBef>
-                <a:spcPct val="20000"/>
-              </a:spcBef>
-              <a:spcAft>
-                <a:spcPts val="0"/>
-              </a:spcAft>
-              <a:buClrTx/>
-              <a:buSzTx/>
-              <a:buFontTx/>
-              <a:buNone/>
-              <a:tabLst/>
-              <a:defRPr>
-                <a:solidFill>
-                  <a:srgbClr val="E89636"/>
-                </a:solidFill>
-              </a:defRPr>
-            </a:lvl1pPr>
-            <a:lvl2pPr marL="457200" indent="0" algn="l" rtl="0">
-              <a:buFontTx/>
-              <a:buNone/>
-              <a:defRPr/>
-            </a:lvl2pPr>
-            <a:lvl3pPr marL="914400" indent="0" algn="l" rtl="0">
-              <a:buFontTx/>
-              <a:buNone/>
-              <a:defRPr/>
-            </a:lvl3pPr>
-            <a:lvl4pPr marL="1371600" indent="0" algn="l" rtl="0">
-              <a:buFontTx/>
-              <a:buNone/>
-              <a:defRPr/>
-            </a:lvl4pPr>
-            <a:lvl5pPr marL="1828800" indent="0" algn="l" rtl="0">
-              <a:buFontTx/>
-              <a:buNone/>
-              <a:defRPr/>
-            </a:lvl5pPr>
-          </a:lstStyle>
-          <a:p>
-            <a:pPr lvl="0"/>
-            <a:r>
-              <a:rPr lang="en-US"/>
-              <a:t>Click to edit Master text styles</a:t>
-            </a:r>
-          </a:p>
-        </p:txBody>
-      </p:sp>
-    </p:spTree>
-    <p:extLst>
-      <p:ext uri="{BB962C8B-B14F-4D97-AF65-F5344CB8AC3E}">
-        <p14:creationId xmlns:p14="http://schemas.microsoft.com/office/powerpoint/2010/main" val="2797336940"/>
-      </p:ext>
-    </p:extLst>
-  </p:cSld>
-  <p:clrMapOvr>
-    <a:masterClrMapping/>
-  </p:clrMapOvr>
-  <p:extLst>
-    <p:ext uri="{DCECCB84-F9BA-43D5-87BE-67443E8EF086}">
-      <p15:sldGuideLst xmlns:p15="http://schemas.microsoft.com/office/powerpoint/2012/main">
-        <p15:guide id="1" orient="horz" pos="789">
-          <p15:clr>
-            <a:srgbClr val="FBAE40"/>
-          </p15:clr>
-        </p15:guide>
-        <p15:guide id="2" pos="612">
-          <p15:clr>
-            <a:srgbClr val="FBAE40"/>
-          </p15:clr>
-        </p15:guide>
-      </p15:sldGuideLst>
-    </p:ext>
-  </p:extLst>
-</p:sldLayout>
-</file>
-
-<file path=ppt/slideLayouts/slideLayout13.xml><?xml version="1.0" encoding="utf-8"?>
 <p:sldLayout xmlns:a="http://schemas.openxmlformats.org/drawingml/2006/main" xmlns:r="http://schemas.openxmlformats.org/officeDocument/2006/relationships" xmlns:p="http://schemas.openxmlformats.org/presentationml/2006/main" userDrawn="1">
   <p:cSld name="Demo Page">
     <p:spTree>
@@ -3058,7 +2869,7 @@
 </p:sldLayout>
 </file>
 
-<file path=ppt/slideLayouts/slideLayout14.xml><?xml version="1.0" encoding="utf-8"?>
+<file path=ppt/slideLayouts/slideLayout13.xml><?xml version="1.0" encoding="utf-8"?>
 <p:sldLayout xmlns:a="http://schemas.openxmlformats.org/drawingml/2006/main" xmlns:r="http://schemas.openxmlformats.org/officeDocument/2006/relationships" xmlns:p="http://schemas.openxmlformats.org/presentationml/2006/main" userDrawn="1">
   <p:cSld name="Lab">
     <p:spTree>
@@ -3575,7 +3386,7 @@
 </p:sldLayout>
 </file>
 
-<file path=ppt/slideLayouts/slideLayout15.xml><?xml version="1.0" encoding="utf-8"?>
+<file path=ppt/slideLayouts/slideLayout14.xml><?xml version="1.0" encoding="utf-8"?>
 <p:sldLayout xmlns:a="http://schemas.openxmlformats.org/drawingml/2006/main" xmlns:r="http://schemas.openxmlformats.org/officeDocument/2006/relationships" xmlns:p="http://schemas.openxmlformats.org/presentationml/2006/main" userDrawn="1">
   <p:cSld name="Questions">
     <p:spTree>
@@ -4056,6 +3867,63 @@
 </p:sldLayout>
 </file>
 
+<file path=ppt/slideLayouts/slideLayout15.xml><?xml version="1.0" encoding="utf-8"?>
+<p:sldLayout xmlns:a="http://schemas.openxmlformats.org/drawingml/2006/main" xmlns:r="http://schemas.openxmlformats.org/officeDocument/2006/relationships" xmlns:p="http://schemas.openxmlformats.org/presentationml/2006/main" matchingName="6_Title Slide">
+  <p:cSld name="6_Title Slide">
+    <p:spTree>
+      <p:nvGrpSpPr>
+        <p:cNvPr id="1" name="Shape 16"/>
+        <p:cNvGrpSpPr/>
+        <p:nvPr/>
+      </p:nvGrpSpPr>
+      <p:grpSpPr>
+        <a:xfrm>
+          <a:off x="0" y="0"/>
+          <a:ext cx="0" cy="0"/>
+          <a:chOff x="0" y="0"/>
+          <a:chExt cx="0" cy="0"/>
+        </a:xfrm>
+      </p:grpSpPr>
+      <p:pic>
+        <p:nvPicPr>
+          <p:cNvPr id="17" name="Google Shape;17;p10"/>
+          <p:cNvPicPr preferRelativeResize="0"/>
+          <p:nvPr/>
+        </p:nvPicPr>
+        <p:blipFill rotWithShape="1">
+          <a:blip r:embed="rId2">
+            <a:alphaModFix/>
+          </a:blip>
+          <a:srcRect/>
+          <a:stretch/>
+        </p:blipFill>
+        <p:spPr>
+          <a:xfrm>
+            <a:off x="10668000" y="5981612"/>
+            <a:ext cx="1246029" cy="511263"/>
+          </a:xfrm>
+          <a:prstGeom prst="rect">
+            <a:avLst/>
+          </a:prstGeom>
+          <a:noFill/>
+          <a:ln>
+            <a:noFill/>
+          </a:ln>
+        </p:spPr>
+      </p:pic>
+    </p:spTree>
+    <p:extLst>
+      <p:ext uri="{BB962C8B-B14F-4D97-AF65-F5344CB8AC3E}">
+        <p14:creationId xmlns:p14="http://schemas.microsoft.com/office/powerpoint/2010/main" val="149705230"/>
+      </p:ext>
+    </p:extLst>
+  </p:cSld>
+  <p:clrMapOvr>
+    <a:masterClrMapping/>
+  </p:clrMapOvr>
+</p:sldLayout>
+</file>
+
 <file path=ppt/slideLayouts/slideLayout2.xml><?xml version="1.0" encoding="utf-8"?>
 <p:sldLayout xmlns:a="http://schemas.openxmlformats.org/drawingml/2006/main" xmlns:r="http://schemas.openxmlformats.org/officeDocument/2006/relationships" xmlns:p="http://schemas.openxmlformats.org/presentationml/2006/main" type="obj" preserve="1">
   <p:cSld name="Title and Content">
@@ -6358,10 +6226,10 @@
     <p:sldLayoutId id="2147483657" r:id="rId9"/>
     <p:sldLayoutId id="2147483658" r:id="rId10"/>
     <p:sldLayoutId id="2147483659" r:id="rId11"/>
-    <p:sldLayoutId id="2147483660" r:id="rId12"/>
-    <p:sldLayoutId id="2147483665" r:id="rId13"/>
-    <p:sldLayoutId id="2147483667" r:id="rId14"/>
-    <p:sldLayoutId id="2147483670" r:id="rId15"/>
+    <p:sldLayoutId id="2147483665" r:id="rId12"/>
+    <p:sldLayoutId id="2147483667" r:id="rId13"/>
+    <p:sldLayoutId id="2147483670" r:id="rId14"/>
+    <p:sldLayoutId id="2147483671" r:id="rId15"/>
   </p:sldLayoutIdLst>
   <p:txStyles>
     <p:titleStyle>
@@ -6651,7 +6519,7 @@
   <p:cSld>
     <p:spTree>
       <p:nvGrpSpPr>
-        <p:cNvPr id="1" name=""/>
+        <p:cNvPr id="1" name="Shape 161"/>
         <p:cNvGrpSpPr/>
         <p:nvPr/>
       </p:nvGrpSpPr>
@@ -6665,103 +6533,501 @@
       </p:grpSpPr>
       <p:sp>
         <p:nvSpPr>
-          <p:cNvPr id="2" name="Title 1"/>
-          <p:cNvSpPr>
-            <a:spLocks noGrp="1"/>
-          </p:cNvSpPr>
-          <p:nvPr>
-            <p:ph type="ctrTitle"/>
-          </p:nvPr>
+          <p:cNvPr id="162" name="Google Shape;162;p3"/>
+          <p:cNvSpPr/>
+          <p:nvPr/>
         </p:nvSpPr>
         <p:spPr>
           <a:xfrm>
-            <a:off x="2135560" y="1700808"/>
-            <a:ext cx="7388072" cy="1085850"/>
+            <a:off x="753215" y="731221"/>
+            <a:ext cx="1852408" cy="1804715"/>
           </a:xfrm>
+          <a:prstGeom prst="rect">
+            <a:avLst/>
+          </a:prstGeom>
+          <a:noFill/>
+          <a:ln w="114300" cap="flat" cmpd="sng">
+            <a:solidFill>
+              <a:srgbClr val="0071F6"/>
+            </a:solidFill>
+            <a:prstDash val="solid"/>
+            <a:miter lim="800000"/>
+            <a:headEnd type="none" w="sm" len="sm"/>
+            <a:tailEnd type="none" w="sm" len="sm"/>
+          </a:ln>
         </p:spPr>
         <p:txBody>
-          <a:bodyPr>
-            <a:normAutofit/>
+          <a:bodyPr spcFirstLastPara="1" wrap="square" lIns="91425" tIns="45700" rIns="91425" bIns="45700" anchor="ctr" anchorCtr="0">
+            <a:noAutofit/>
           </a:bodyPr>
           <a:lstStyle/>
           <a:p>
-            <a:r>
-              <a:rPr lang="en-US" dirty="0"/>
+            <a:pPr marL="0" marR="0" lvl="0" indent="0" algn="ctr" rtl="0">
+              <a:spcBef>
+                <a:spcPts val="0"/>
+              </a:spcBef>
+              <a:spcAft>
+                <a:spcPts val="0"/>
+              </a:spcAft>
+              <a:buNone/>
+            </a:pPr>
+            <a:endParaRPr sz="10000" b="0" i="0" u="none" strike="noStrike" cap="none">
+              <a:solidFill>
+                <a:schemeClr val="lt1"/>
+              </a:solidFill>
+              <a:latin typeface="Calibri"/>
+              <a:ea typeface="Calibri"/>
+              <a:cs typeface="Calibri"/>
+              <a:sym typeface="Calibri"/>
+            </a:endParaRPr>
+          </a:p>
+        </p:txBody>
+      </p:sp>
+      <p:sp>
+        <p:nvSpPr>
+          <p:cNvPr id="163" name="Google Shape;163;p3"/>
+          <p:cNvSpPr/>
+          <p:nvPr/>
+        </p:nvSpPr>
+        <p:spPr>
+          <a:xfrm>
+            <a:off x="1024128" y="974550"/>
+            <a:ext cx="1938528" cy="1220010"/>
+          </a:xfrm>
+          <a:prstGeom prst="rect">
+            <a:avLst/>
+          </a:prstGeom>
+          <a:solidFill>
+            <a:schemeClr val="lt1"/>
+          </a:solidFill>
+          <a:ln>
+            <a:noFill/>
+          </a:ln>
+        </p:spPr>
+        <p:txBody>
+          <a:bodyPr spcFirstLastPara="1" wrap="square" lIns="91425" tIns="45700" rIns="91425" bIns="45700" anchor="ctr" anchorCtr="0">
+            <a:noAutofit/>
+          </a:bodyPr>
+          <a:lstStyle/>
+          <a:p>
+            <a:pPr marL="0" marR="0" lvl="0" indent="0" algn="ctr" rtl="0">
+              <a:spcBef>
+                <a:spcPts val="0"/>
+              </a:spcBef>
+              <a:spcAft>
+                <a:spcPts val="0"/>
+              </a:spcAft>
+              <a:buNone/>
+            </a:pPr>
+            <a:endParaRPr sz="1800" b="0" i="0" u="none" strike="noStrike" cap="none">
+              <a:solidFill>
+                <a:schemeClr val="lt1"/>
+              </a:solidFill>
+              <a:latin typeface="Calibri"/>
+              <a:ea typeface="Calibri"/>
+              <a:cs typeface="Calibri"/>
+              <a:sym typeface="Calibri"/>
+            </a:endParaRPr>
+          </a:p>
+        </p:txBody>
+      </p:sp>
+      <p:sp>
+        <p:nvSpPr>
+          <p:cNvPr id="164" name="Google Shape;164;p3"/>
+          <p:cNvSpPr txBox="1"/>
+          <p:nvPr/>
+        </p:nvSpPr>
+        <p:spPr>
+          <a:xfrm>
+            <a:off x="1197504" y="1264978"/>
+            <a:ext cx="9479731" cy="696987"/>
+          </a:xfrm>
+          <a:prstGeom prst="rect">
+            <a:avLst/>
+          </a:prstGeom>
+          <a:noFill/>
+          <a:ln>
+            <a:noFill/>
+          </a:ln>
+        </p:spPr>
+        <p:txBody>
+          <a:bodyPr spcFirstLastPara="1" wrap="square" lIns="0" tIns="0" rIns="0" bIns="0" anchor="t" anchorCtr="0">
+            <a:noAutofit/>
+          </a:bodyPr>
+          <a:lstStyle/>
+          <a:p>
+            <a:pPr marL="0" marR="0" lvl="0" indent="0" algn="l" rtl="0">
+              <a:lnSpc>
+                <a:spcPct val="90000"/>
+              </a:lnSpc>
+              <a:spcBef>
+                <a:spcPts val="0"/>
+              </a:spcBef>
+              <a:spcAft>
+                <a:spcPts val="0"/>
+              </a:spcAft>
+              <a:buClr>
+                <a:schemeClr val="dk1"/>
+              </a:buClr>
+              <a:buSzPts val="5000"/>
+              <a:buFont typeface="Lexend"/>
+              <a:buNone/>
+            </a:pPr>
+            <a:r>
+              <a:rPr lang="en-US" sz="5400" b="1" dirty="0">
+                <a:latin typeface="Lexend" panose="020B0604020202020204"/>
+              </a:rPr>
               <a:t>Module 06 – Threads</a:t>
             </a:r>
-            <a:endParaRPr lang="he-IL" dirty="0"/>
-          </a:p>
-        </p:txBody>
-      </p:sp>
+            <a:endParaRPr lang="en-US" sz="2000" b="1" i="0" u="none" strike="noStrike" cap="none" dirty="0">
+              <a:solidFill>
+                <a:schemeClr val="tx2">
+                  <a:lumMod val="25000"/>
+                </a:schemeClr>
+              </a:solidFill>
+              <a:latin typeface="Lexend" panose="020B0604020202020204"/>
+              <a:ea typeface="Lexend" panose="020B0604020202020204"/>
+              <a:cs typeface="Lexend" panose="020B0604020202020204"/>
+              <a:sym typeface="Lexend"/>
+            </a:endParaRPr>
+          </a:p>
+        </p:txBody>
+      </p:sp>
+      <p:grpSp>
+        <p:nvGrpSpPr>
+          <p:cNvPr id="26" name="Group 25">
+            <a:extLst>
+              <a:ext uri="{FF2B5EF4-FFF2-40B4-BE49-F238E27FC236}">
+                <a16:creationId xmlns:a16="http://schemas.microsoft.com/office/drawing/2014/main" id="{3707614E-B472-D72F-3362-F3D5800A79AE}"/>
+              </a:ext>
+            </a:extLst>
+          </p:cNvPr>
+          <p:cNvGrpSpPr/>
+          <p:nvPr/>
+        </p:nvGrpSpPr>
+        <p:grpSpPr>
+          <a:xfrm>
+            <a:off x="4768981" y="6314787"/>
+            <a:ext cx="2898939" cy="435065"/>
+            <a:chOff x="4346126" y="6301065"/>
+            <a:chExt cx="2898939" cy="435065"/>
+          </a:xfrm>
+        </p:grpSpPr>
+        <p:sp>
+          <p:nvSpPr>
+            <p:cNvPr id="27" name="Google Shape;157;p2">
+              <a:extLst>
+                <a:ext uri="{FF2B5EF4-FFF2-40B4-BE49-F238E27FC236}">
+                  <a16:creationId xmlns:a16="http://schemas.microsoft.com/office/drawing/2014/main" id="{4EA5EBB7-68D9-5C27-8971-C58931043AB0}"/>
+                </a:ext>
+              </a:extLst>
+            </p:cNvPr>
+            <p:cNvSpPr txBox="1"/>
+            <p:nvPr/>
+          </p:nvSpPr>
+          <p:spPr>
+            <a:xfrm>
+              <a:off x="4346126" y="6301065"/>
+              <a:ext cx="2898939" cy="260080"/>
+            </a:xfrm>
+            <a:prstGeom prst="rect">
+              <a:avLst/>
+            </a:prstGeom>
+            <a:noFill/>
+            <a:ln>
+              <a:noFill/>
+            </a:ln>
+          </p:spPr>
+          <p:txBody>
+            <a:bodyPr spcFirstLastPara="1" wrap="square" lIns="91425" tIns="45700" rIns="91425" bIns="45700" anchor="t" anchorCtr="0">
+              <a:noAutofit/>
+            </a:bodyPr>
+            <a:lstStyle/>
+            <a:p>
+              <a:pPr marL="0" marR="0" lvl="0" indent="0" algn="ctr" rtl="0">
+                <a:lnSpc>
+                  <a:spcPct val="90000"/>
+                </a:lnSpc>
+                <a:spcBef>
+                  <a:spcPts val="0"/>
+                </a:spcBef>
+                <a:spcAft>
+                  <a:spcPts val="0"/>
+                </a:spcAft>
+                <a:buClr>
+                  <a:schemeClr val="lt1"/>
+                </a:buClr>
+                <a:buSzPts val="4000"/>
+                <a:buFont typeface="Lexend"/>
+                <a:buNone/>
+              </a:pPr>
+              <a:r>
+                <a:rPr lang="en-US" sz="1100" b="1" i="0" u="none" strike="noStrike" cap="none" dirty="0">
+                  <a:solidFill>
+                    <a:srgbClr val="00DBE9"/>
+                  </a:solidFill>
+                  <a:latin typeface="+mn-lt"/>
+                  <a:ea typeface="Lexend"/>
+                  <a:cs typeface="+mn-cs"/>
+                  <a:sym typeface="Lexend"/>
+                  <a:hlinkClick r:id="rId3">
+                    <a:extLst>
+                      <a:ext uri="{A12FA001-AC4F-418D-AE19-62706E023703}">
+                        <ahyp:hlinkClr xmlns:ahyp="http://schemas.microsoft.com/office/drawing/2018/hyperlinkcolor" val="tx"/>
+                      </a:ext>
+                    </a:extLst>
+                  </a:hlinkClick>
+                </a:rPr>
+                <a:t>WWW.SELACLOUD.COM</a:t>
+              </a:r>
+              <a:endParaRPr sz="1100" dirty="0">
+                <a:solidFill>
+                  <a:srgbClr val="00DBE9"/>
+                </a:solidFill>
+                <a:latin typeface="+mn-lt"/>
+                <a:cs typeface="+mn-cs"/>
+              </a:endParaRPr>
+            </a:p>
+            <a:p>
+              <a:pPr marL="0" marR="0" lvl="0" indent="0" algn="ctr" rtl="0">
+                <a:lnSpc>
+                  <a:spcPct val="90000"/>
+                </a:lnSpc>
+                <a:spcBef>
+                  <a:spcPts val="0"/>
+                </a:spcBef>
+                <a:spcAft>
+                  <a:spcPts val="0"/>
+                </a:spcAft>
+                <a:buClr>
+                  <a:schemeClr val="lt1"/>
+                </a:buClr>
+                <a:buSzPts val="4000"/>
+                <a:buFont typeface="Noto Sans Hebrew"/>
+                <a:buNone/>
+              </a:pPr>
+              <a:endParaRPr sz="1100" b="1" i="0" u="none" strike="noStrike" cap="none" dirty="0">
+                <a:solidFill>
+                  <a:srgbClr val="00DBE9"/>
+                </a:solidFill>
+                <a:latin typeface="Lexend Light" pitchFamily="2" charset="0"/>
+                <a:ea typeface="Lexend"/>
+                <a:cs typeface="Lexend"/>
+                <a:sym typeface="Lexend"/>
+              </a:endParaRPr>
+            </a:p>
+          </p:txBody>
+        </p:sp>
+        <p:grpSp>
+          <p:nvGrpSpPr>
+            <p:cNvPr id="28" name="Group 27">
+              <a:extLst>
+                <a:ext uri="{FF2B5EF4-FFF2-40B4-BE49-F238E27FC236}">
+                  <a16:creationId xmlns:a16="http://schemas.microsoft.com/office/drawing/2014/main" id="{60FDA890-33F8-40FC-59E2-9BD7B4CF4B60}"/>
+                </a:ext>
+              </a:extLst>
+            </p:cNvPr>
+            <p:cNvGrpSpPr/>
+            <p:nvPr/>
+          </p:nvGrpSpPr>
+          <p:grpSpPr>
+            <a:xfrm>
+              <a:off x="5196988" y="6503312"/>
+              <a:ext cx="1188416" cy="232818"/>
+              <a:chOff x="5196988" y="6503312"/>
+              <a:chExt cx="1188416" cy="232818"/>
+            </a:xfrm>
+          </p:grpSpPr>
+          <p:pic>
+            <p:nvPicPr>
+              <p:cNvPr id="29" name="Picture 28" descr="Icon&#10;&#10;Description automatically generated">
+                <a:hlinkClick r:id="rId4"/>
+                <a:extLst>
+                  <a:ext uri="{FF2B5EF4-FFF2-40B4-BE49-F238E27FC236}">
+                    <a16:creationId xmlns:a16="http://schemas.microsoft.com/office/drawing/2014/main" id="{64501E28-0CD7-BEAB-240F-3FE7691367B8}"/>
+                  </a:ext>
+                </a:extLst>
+              </p:cNvPr>
+              <p:cNvPicPr>
+                <a:picLocks noChangeAspect="1"/>
+              </p:cNvPicPr>
+              <p:nvPr/>
+            </p:nvPicPr>
+            <p:blipFill>
+              <a:blip r:embed="rId5"/>
+              <a:stretch>
+                <a:fillRect/>
+              </a:stretch>
+            </p:blipFill>
+            <p:spPr>
+              <a:xfrm>
+                <a:off x="5407162" y="6503312"/>
+                <a:ext cx="338919" cy="232817"/>
+              </a:xfrm>
+              <a:prstGeom prst="rect">
+                <a:avLst/>
+              </a:prstGeom>
+            </p:spPr>
+          </p:pic>
+          <p:pic>
+            <p:nvPicPr>
+              <p:cNvPr id="30" name="Picture 29" descr="Logo, icon&#10;&#10;Description automatically generated">
+                <a:hlinkClick r:id="rId6"/>
+                <a:extLst>
+                  <a:ext uri="{FF2B5EF4-FFF2-40B4-BE49-F238E27FC236}">
+                    <a16:creationId xmlns:a16="http://schemas.microsoft.com/office/drawing/2014/main" id="{4D899894-16A2-81DC-1AC3-0E3C481677CD}"/>
+                  </a:ext>
+                </a:extLst>
+              </p:cNvPr>
+              <p:cNvPicPr>
+                <a:picLocks noChangeAspect="1"/>
+              </p:cNvPicPr>
+              <p:nvPr/>
+            </p:nvPicPr>
+            <p:blipFill>
+              <a:blip r:embed="rId7"/>
+              <a:stretch>
+                <a:fillRect/>
+              </a:stretch>
+            </p:blipFill>
+            <p:spPr>
+              <a:xfrm>
+                <a:off x="5837917" y="6503313"/>
+                <a:ext cx="338919" cy="232817"/>
+              </a:xfrm>
+              <a:prstGeom prst="rect">
+                <a:avLst/>
+              </a:prstGeom>
+            </p:spPr>
+          </p:pic>
+          <p:pic>
+            <p:nvPicPr>
+              <p:cNvPr id="31" name="Picture 30" descr="Logo&#10;&#10;Description automatically generated">
+                <a:hlinkClick r:id="rId8"/>
+                <a:extLst>
+                  <a:ext uri="{FF2B5EF4-FFF2-40B4-BE49-F238E27FC236}">
+                    <a16:creationId xmlns:a16="http://schemas.microsoft.com/office/drawing/2014/main" id="{6DECAAD2-14ED-D62E-83E5-01D62FD73E58}"/>
+                  </a:ext>
+                </a:extLst>
+              </p:cNvPr>
+              <p:cNvPicPr>
+                <a:picLocks noChangeAspect="1"/>
+              </p:cNvPicPr>
+              <p:nvPr/>
+            </p:nvPicPr>
+            <p:blipFill>
+              <a:blip r:embed="rId9"/>
+              <a:stretch>
+                <a:fillRect/>
+              </a:stretch>
+            </p:blipFill>
+            <p:spPr>
+              <a:xfrm>
+                <a:off x="6046485" y="6503313"/>
+                <a:ext cx="338919" cy="232817"/>
+              </a:xfrm>
+              <a:prstGeom prst="rect">
+                <a:avLst/>
+              </a:prstGeom>
+            </p:spPr>
+          </p:pic>
+          <p:pic>
+            <p:nvPicPr>
+              <p:cNvPr id="32" name="Picture 31" descr="Icon&#10;&#10;Description automatically generated">
+                <a:hlinkClick r:id="rId10"/>
+                <a:extLst>
+                  <a:ext uri="{FF2B5EF4-FFF2-40B4-BE49-F238E27FC236}">
+                    <a16:creationId xmlns:a16="http://schemas.microsoft.com/office/drawing/2014/main" id="{DC102836-817A-8573-C7AB-C2724E6E5F1C}"/>
+                  </a:ext>
+                </a:extLst>
+              </p:cNvPr>
+              <p:cNvPicPr>
+                <a:picLocks noChangeAspect="1"/>
+              </p:cNvPicPr>
+              <p:nvPr/>
+            </p:nvPicPr>
+            <p:blipFill>
+              <a:blip r:embed="rId11"/>
+              <a:stretch>
+                <a:fillRect/>
+              </a:stretch>
+            </p:blipFill>
+            <p:spPr>
+              <a:xfrm>
+                <a:off x="5196988" y="6503312"/>
+                <a:ext cx="338919" cy="232817"/>
+              </a:xfrm>
+              <a:prstGeom prst="rect">
+                <a:avLst/>
+              </a:prstGeom>
+            </p:spPr>
+          </p:pic>
+          <p:pic>
+            <p:nvPicPr>
+              <p:cNvPr id="33" name="Picture 32" descr="Icon&#10;&#10;Description automatically generated">
+                <a:hlinkClick r:id="rId12"/>
+                <a:extLst>
+                  <a:ext uri="{FF2B5EF4-FFF2-40B4-BE49-F238E27FC236}">
+                    <a16:creationId xmlns:a16="http://schemas.microsoft.com/office/drawing/2014/main" id="{F46B6109-4740-9E76-5C84-B96F79785CAF}"/>
+                  </a:ext>
+                </a:extLst>
+              </p:cNvPr>
+              <p:cNvPicPr>
+                <a:picLocks noChangeAspect="1"/>
+              </p:cNvPicPr>
+              <p:nvPr/>
+            </p:nvPicPr>
+            <p:blipFill>
+              <a:blip r:embed="rId13"/>
+              <a:stretch>
+                <a:fillRect/>
+              </a:stretch>
+            </p:blipFill>
+            <p:spPr>
+              <a:xfrm>
+                <a:off x="5626137" y="6503312"/>
+                <a:ext cx="338919" cy="232817"/>
+              </a:xfrm>
+              <a:prstGeom prst="rect">
+                <a:avLst/>
+              </a:prstGeom>
+            </p:spPr>
+          </p:pic>
+        </p:grpSp>
+      </p:grpSp>
     </p:spTree>
-    <p:extLst>
-      <p:ext uri="{BB962C8B-B14F-4D97-AF65-F5344CB8AC3E}">
-        <p14:creationId xmlns:p14="http://schemas.microsoft.com/office/powerpoint/2010/main" val="2844620833"/>
-      </p:ext>
-    </p:extLst>
   </p:cSld>
   <p:clrMapOvr>
     <a:masterClrMapping/>
   </p:clrMapOvr>
+  <mc:AlternateContent xmlns:mc="http://schemas.openxmlformats.org/markup-compatibility/2006" xmlns:p14="http://schemas.microsoft.com/office/powerpoint/2010/main">
+    <mc:Choice Requires="p14">
+      <p:transition spd="slow" p14:dur="2000" advTm="2283"/>
+    </mc:Choice>
+    <mc:Fallback xmlns="">
+      <p:transition spd="slow" advTm="2283"/>
+    </mc:Fallback>
+  </mc:AlternateContent>
 </p:sld>
 </file>
 
 <file path=ppt/slides/slide10.xml><?xml version="1.0" encoding="utf-8"?>
 <p:sld xmlns:a="http://schemas.openxmlformats.org/drawingml/2006/main" xmlns:r="http://schemas.openxmlformats.org/officeDocument/2006/relationships" xmlns:p="http://schemas.openxmlformats.org/presentationml/2006/main">
   <p:cSld>
-    <p:spTree>
-      <p:nvGrpSpPr>
-        <p:cNvPr id="1" name=""/>
-        <p:cNvGrpSpPr/>
-        <p:nvPr/>
-      </p:nvGrpSpPr>
-      <p:grpSpPr>
-        <a:xfrm>
-          <a:off x="0" y="0"/>
-          <a:ext cx="0" cy="0"/>
-          <a:chOff x="0" y="0"/>
-          <a:chExt cx="0" cy="0"/>
-        </a:xfrm>
-      </p:grpSpPr>
-      <p:sp>
-        <p:nvSpPr>
-          <p:cNvPr id="3" name="Title 2"/>
-          <p:cNvSpPr>
-            <a:spLocks noGrp="1"/>
-          </p:cNvSpPr>
-          <p:nvPr>
-            <p:ph type="title"/>
-          </p:nvPr>
-        </p:nvSpPr>
-        <p:spPr/>
-        <p:txBody>
-          <a:bodyPr/>
-          <a:lstStyle/>
-          <a:p>
-            <a:r>
-              <a:rPr lang="en-US"/>
-              <a:t>Lab 01</a:t>
-            </a:r>
-            <a:endParaRPr lang="he-IL"/>
-          </a:p>
-        </p:txBody>
-      </p:sp>
-    </p:spTree>
-    <p:extLst>
-      <p:ext uri="{BB962C8B-B14F-4D97-AF65-F5344CB8AC3E}">
-        <p14:creationId xmlns:p14="http://schemas.microsoft.com/office/powerpoint/2010/main" val="2767821557"/>
-      </p:ext>
-    </p:extLst>
-  </p:cSld>
-  <p:clrMapOvr>
-    <a:masterClrMapping/>
-  </p:clrMapOvr>
-</p:sld>
-</file>
-
-<file path=ppt/slides/slide11.xml><?xml version="1.0" encoding="utf-8"?>
-<p:sld xmlns:a="http://schemas.openxmlformats.org/drawingml/2006/main" xmlns:r="http://schemas.openxmlformats.org/officeDocument/2006/relationships" xmlns:p="http://schemas.openxmlformats.org/presentationml/2006/main">
-  <p:cSld>
+    <p:bg>
+      <p:bgPr>
+        <a:blipFill dpi="0" rotWithShape="1">
+          <a:blip r:embed="rId2">
+            <a:lum/>
+          </a:blip>
+          <a:srcRect/>
+          <a:stretch>
+            <a:fillRect/>
+          </a:stretch>
+        </a:blipFill>
+        <a:effectLst/>
+      </p:bgPr>
+    </p:bg>
     <p:spTree>
       <p:nvGrpSpPr>
         <p:cNvPr id="1" name=""/>
@@ -6792,6 +7058,20 @@
 <file path=ppt/slides/slide2.xml><?xml version="1.0" encoding="utf-8"?>
 <p:sld xmlns:a="http://schemas.openxmlformats.org/drawingml/2006/main" xmlns:r="http://schemas.openxmlformats.org/officeDocument/2006/relationships" xmlns:p="http://schemas.openxmlformats.org/presentationml/2006/main">
   <p:cSld>
+    <p:bg>
+      <p:bgPr>
+        <a:blipFill dpi="0" rotWithShape="1">
+          <a:blip r:embed="rId3">
+            <a:lum/>
+          </a:blip>
+          <a:srcRect/>
+          <a:stretch>
+            <a:fillRect/>
+          </a:stretch>
+        </a:blipFill>
+        <a:effectLst/>
+      </p:bgPr>
+    </p:bg>
     <p:spTree>
       <p:nvGrpSpPr>
         <p:cNvPr id="1" name=""/>
@@ -6822,17 +7102,20 @@
           <a:lstStyle/>
           <a:p>
             <a:r>
-              <a:rPr lang="en-US" b="0" i="0" dirty="0">
-                <a:solidFill>
-                  <a:srgbClr val="000000"/>
+              <a:rPr lang="en-US" b="1" i="0" dirty="0">
+                <a:solidFill>
+                  <a:srgbClr val="0071F6"/>
                 </a:solidFill>
                 <a:effectLst/>
-                <a:latin typeface="+mn-lt"/>
+                <a:latin typeface="Lexend" panose="020B0604020202020204"/>
               </a:rPr>
               <a:t>What is Thread</a:t>
             </a:r>
-            <a:endParaRPr lang="he-IL" dirty="0">
-              <a:latin typeface="+mn-lt"/>
+            <a:endParaRPr lang="he-IL" b="1" dirty="0">
+              <a:solidFill>
+                <a:srgbClr val="0071F6"/>
+              </a:solidFill>
+              <a:latin typeface="Lexend" panose="020B0604020202020204"/>
             </a:endParaRPr>
           </a:p>
         </p:txBody>
@@ -6866,6 +7149,7 @@
                   <a:srgbClr val="000000"/>
                 </a:solidFill>
                 <a:effectLst/>
+                <a:latin typeface="Lexend Light"/>
               </a:rPr>
               <a:t>A Thread or a Thread of Execution is defined in computer science as the smallest unit that can be scheduled in an operating system </a:t>
             </a:r>
@@ -6877,6 +7161,7 @@
                 <a:srgbClr val="000000"/>
               </a:solidFill>
               <a:effectLst/>
+              <a:latin typeface="Lexend Light"/>
             </a:endParaRPr>
           </a:p>
           <a:p>
@@ -6887,6 +7172,7 @@
                   <a:srgbClr val="000000"/>
                 </a:solidFill>
                 <a:effectLst/>
+                <a:latin typeface="Lexend Light"/>
               </a:rPr>
               <a:t>Threads are contained in processes. More than one thread can exist within the same process. </a:t>
             </a:r>
@@ -6897,6 +7183,7 @@
               <a:solidFill>
                 <a:srgbClr val="000000"/>
               </a:solidFill>
+              <a:latin typeface="Lexend Light"/>
             </a:endParaRPr>
           </a:p>
           <a:p>
@@ -6907,6 +7194,7 @@
                   <a:srgbClr val="000000"/>
                 </a:solidFill>
                 <a:effectLst/>
+                <a:latin typeface="Lexend Light"/>
               </a:rPr>
               <a:t>These threads share the memory and the state of the process.</a:t>
             </a:r>
@@ -6915,6 +7203,7 @@
                 <a:srgbClr val="000000"/>
               </a:solidFill>
               <a:effectLst/>
+              <a:latin typeface="Lexend Light"/>
             </a:endParaRPr>
           </a:p>
         </p:txBody>
@@ -6934,7 +7223,7 @@
           <p:nvPr/>
         </p:nvPicPr>
         <p:blipFill>
-          <a:blip r:embed="rId3">
+          <a:blip r:embed="rId4">
             <a:extLst>
               <a:ext uri="{28A0092B-C50C-407E-A947-70E740481C1C}">
                 <a14:useLocalDpi xmlns:a14="http://schemas.microsoft.com/office/drawing/2010/main" val="0"/>
@@ -6982,6 +7271,20 @@
 <file path=ppt/slides/slide3.xml><?xml version="1.0" encoding="utf-8"?>
 <p:sld xmlns:a="http://schemas.openxmlformats.org/drawingml/2006/main" xmlns:r="http://schemas.openxmlformats.org/officeDocument/2006/relationships" xmlns:p="http://schemas.openxmlformats.org/presentationml/2006/main">
   <p:cSld>
+    <p:bg>
+      <p:bgPr>
+        <a:blipFill dpi="0" rotWithShape="1">
+          <a:blip r:embed="rId3">
+            <a:lum/>
+          </a:blip>
+          <a:srcRect/>
+          <a:stretch>
+            <a:fillRect/>
+          </a:stretch>
+        </a:blipFill>
+        <a:effectLst/>
+      </p:bgPr>
+    </p:bg>
     <p:spTree>
       <p:nvGrpSpPr>
         <p:cNvPr id="1" name=""/>
@@ -7014,17 +7317,20 @@
           <a:lstStyle/>
           <a:p>
             <a:r>
-              <a:rPr lang="en-US" b="0" i="0" dirty="0">
-                <a:solidFill>
-                  <a:srgbClr val="000000"/>
+              <a:rPr lang="en-US" b="1" i="0" dirty="0">
+                <a:solidFill>
+                  <a:srgbClr val="0071F6"/>
                 </a:solidFill>
                 <a:effectLst/>
-                <a:latin typeface="+mn-lt"/>
+                <a:latin typeface="Lexend" panose="020B0604020202020204"/>
               </a:rPr>
               <a:t>threading Module</a:t>
             </a:r>
-            <a:endParaRPr lang="he-IL" dirty="0">
-              <a:latin typeface="+mn-lt"/>
+            <a:endParaRPr lang="he-IL" b="1" dirty="0">
+              <a:solidFill>
+                <a:srgbClr val="0071F6"/>
+              </a:solidFill>
+              <a:latin typeface="Lexend" panose="020B0604020202020204"/>
             </a:endParaRPr>
           </a:p>
         </p:txBody>
@@ -7041,8 +7347,8 @@
         </p:nvSpPr>
         <p:spPr>
           <a:xfrm>
-            <a:off x="838200" y="1690688"/>
-            <a:ext cx="10515600" cy="4486275"/>
+            <a:off x="838200" y="1690689"/>
+            <a:ext cx="10515600" cy="2934578"/>
           </a:xfrm>
         </p:spPr>
         <p:txBody>
@@ -7057,6 +7363,7 @@
                   <a:srgbClr val="000000"/>
                 </a:solidFill>
                 <a:effectLst/>
+                <a:latin typeface="Lexend Light"/>
               </a:rPr>
               <a:t>Threading module is a simple way to create threads. Threading </a:t>
             </a:r>
@@ -7066,6 +7373,7 @@
                   <a:srgbClr val="000000"/>
                 </a:solidFill>
                 <a:effectLst/>
+                <a:latin typeface="Lexend Light"/>
               </a:rPr>
               <a:t>APls</a:t>
             </a:r>
@@ -7075,6 +7383,7 @@
                   <a:srgbClr val="000000"/>
                 </a:solidFill>
                 <a:effectLst/>
+                <a:latin typeface="Lexend Light"/>
               </a:rPr>
               <a:t> very similar to multiprocessing API </a:t>
             </a:r>
@@ -7085,6 +7394,7 @@
                 <a:srgbClr val="000000"/>
               </a:solidFill>
               <a:effectLst/>
+              <a:latin typeface="Lexend Light"/>
             </a:endParaRPr>
           </a:p>
           <a:p>
@@ -7094,6 +7404,7 @@
                   <a:srgbClr val="000000"/>
                 </a:solidFill>
                 <a:effectLst/>
+                <a:latin typeface="Lexend Light"/>
               </a:rPr>
               <a:t>Using threads allows a program to run multiple operations concurrently in the same process space.</a:t>
             </a:r>
@@ -7103,6 +7414,7 @@
               <a:solidFill>
                 <a:srgbClr val="000000"/>
               </a:solidFill>
+              <a:latin typeface="Lexend Light"/>
             </a:endParaRPr>
           </a:p>
           <a:p>
@@ -7112,6 +7424,7 @@
                   <a:srgbClr val="000000"/>
                 </a:solidFill>
                 <a:effectLst/>
+                <a:latin typeface="Lexend Light"/>
               </a:rPr>
               <a:t> To create a new thread in out program we should use the Tread. class of Threading module</a:t>
             </a:r>
@@ -7119,6 +7432,7 @@
               <a:solidFill>
                 <a:srgbClr val="000000"/>
               </a:solidFill>
+              <a:latin typeface="Lexend Light"/>
             </a:endParaRPr>
           </a:p>
         </p:txBody>
@@ -7139,6 +7453,20 @@
 <file path=ppt/slides/slide4.xml><?xml version="1.0" encoding="utf-8"?>
 <p:sld xmlns:a="http://schemas.openxmlformats.org/drawingml/2006/main" xmlns:r="http://schemas.openxmlformats.org/officeDocument/2006/relationships" xmlns:p="http://schemas.openxmlformats.org/presentationml/2006/main">
   <p:cSld>
+    <p:bg>
+      <p:bgPr>
+        <a:blipFill dpi="0" rotWithShape="1">
+          <a:blip r:embed="rId2">
+            <a:lum/>
+          </a:blip>
+          <a:srcRect/>
+          <a:stretch>
+            <a:fillRect/>
+          </a:stretch>
+        </a:blipFill>
+        <a:effectLst/>
+      </p:bgPr>
+    </p:bg>
     <p:spTree>
       <p:nvGrpSpPr>
         <p:cNvPr id="1" name=""/>
@@ -7165,8 +7493,8 @@
         </p:nvSpPr>
         <p:spPr>
           <a:xfrm>
-            <a:off x="136237" y="291155"/>
-            <a:ext cx="10515600" cy="1325563"/>
+            <a:off x="914399" y="291155"/>
+            <a:ext cx="9737437" cy="1325563"/>
           </a:xfrm>
         </p:spPr>
         <p:txBody>
@@ -7176,17 +7504,20 @@
           <a:lstStyle/>
           <a:p>
             <a:r>
-              <a:rPr lang="en-US" b="0" i="0" dirty="0">
-                <a:solidFill>
-                  <a:srgbClr val="000000"/>
+              <a:rPr lang="en-US" b="1" i="0" dirty="0">
+                <a:solidFill>
+                  <a:srgbClr val="0071F6"/>
                 </a:solidFill>
                 <a:effectLst/>
-                <a:latin typeface="+mn-lt"/>
+                <a:latin typeface="Lexend" panose="020B0604020202020204"/>
               </a:rPr>
               <a:t>Thread class</a:t>
             </a:r>
-            <a:endParaRPr lang="he-IL" dirty="0">
-              <a:latin typeface="+mn-lt"/>
+            <a:endParaRPr lang="he-IL" b="1" dirty="0">
+              <a:solidFill>
+                <a:srgbClr val="0071F6"/>
+              </a:solidFill>
+              <a:latin typeface="Lexend" panose="020B0604020202020204"/>
             </a:endParaRPr>
           </a:p>
         </p:txBody>
@@ -7205,8 +7536,8 @@
         </p:nvSpPr>
         <p:spPr>
           <a:xfrm>
-            <a:off x="457971" y="1616718"/>
-            <a:ext cx="11734029" cy="5201424"/>
+            <a:off x="914399" y="1616718"/>
+            <a:ext cx="9854215" cy="4801314"/>
           </a:xfrm>
           <a:prstGeom prst="rect">
             <a:avLst/>
@@ -7229,6 +7560,7 @@
                   <a:srgbClr val="000000"/>
                 </a:solidFill>
                 <a:effectLst/>
+                <a:latin typeface="Lexend Light"/>
               </a:rPr>
               <a:t>Thread(group=None, target=None, name=None, </a:t>
             </a:r>
@@ -7238,6 +7570,7 @@
                   <a:srgbClr val="000000"/>
                 </a:solidFill>
                 <a:effectLst/>
+                <a:latin typeface="Lexend Light"/>
               </a:rPr>
               <a:t>args</a:t>
             </a:r>
@@ -7247,6 +7580,7 @@
                   <a:srgbClr val="000000"/>
                 </a:solidFill>
                 <a:effectLst/>
+                <a:latin typeface="Lexend Light"/>
               </a:rPr>
               <a:t>=()) </a:t>
             </a:r>
@@ -7259,6 +7593,7 @@
                   <a:srgbClr val="000000"/>
                 </a:solidFill>
                 <a:effectLst/>
+                <a:latin typeface="Lexend Light"/>
               </a:rPr>
               <a:t>— target is the callable object to be invoked by the Process </a:t>
             </a:r>
@@ -7271,6 +7606,7 @@
                   <a:srgbClr val="000000"/>
                 </a:solidFill>
                 <a:effectLst/>
+                <a:latin typeface="Lexend Light"/>
               </a:rPr>
               <a:t>— name is the process name </a:t>
             </a:r>
@@ -7283,6 +7619,7 @@
                   <a:srgbClr val="000000"/>
                 </a:solidFill>
                 <a:effectLst/>
+                <a:latin typeface="Lexend Light"/>
               </a:rPr>
               <a:t>— </a:t>
             </a:r>
@@ -7292,6 +7629,7 @@
                   <a:srgbClr val="000000"/>
                 </a:solidFill>
                 <a:effectLst/>
+                <a:latin typeface="Lexend Light"/>
               </a:rPr>
               <a:t>args</a:t>
             </a:r>
@@ -7301,6 +7639,7 @@
                   <a:srgbClr val="000000"/>
                 </a:solidFill>
                 <a:effectLst/>
+                <a:latin typeface="Lexend Light"/>
               </a:rPr>
               <a:t> is the argument tuple for the target invocation. </a:t>
             </a:r>
@@ -7313,6 +7652,7 @@
                   <a:srgbClr val="000000"/>
                 </a:solidFill>
                 <a:effectLst/>
+                <a:latin typeface="Lexend Light"/>
               </a:rPr>
               <a:t>— group — should be always be None </a:t>
             </a:r>
@@ -7322,6 +7662,7 @@
               <a:solidFill>
                 <a:srgbClr val="000000"/>
               </a:solidFill>
+              <a:latin typeface="Lexend Light"/>
             </a:endParaRPr>
           </a:p>
           <a:p>
@@ -7335,28 +7676,18 @@
                   <a:srgbClr val="000000"/>
                 </a:solidFill>
                 <a:effectLst/>
+                <a:latin typeface="Lexend Light"/>
               </a:rPr>
               <a:t>Thread has start and join functions, exactly like Process does</a:t>
             </a:r>
-            <a:endParaRPr lang="en-US" sz="3200" dirty="0"/>
-          </a:p>
-          <a:p>
-            <a:endParaRPr lang="en-US" dirty="0"/>
-          </a:p>
-          <a:p>
-            <a:endParaRPr lang="en-US" dirty="0"/>
-          </a:p>
-          <a:p>
-            <a:endParaRPr lang="en-US" dirty="0"/>
-          </a:p>
-          <a:p>
-            <a:endParaRPr lang="en-US" dirty="0"/>
-          </a:p>
-          <a:p>
-            <a:endParaRPr lang="en-US" dirty="0"/>
-          </a:p>
-          <a:p>
-            <a:endParaRPr lang="he-IL" dirty="0"/>
+            <a:endParaRPr lang="en-US" sz="3200" dirty="0">
+              <a:latin typeface="Lexend Light"/>
+            </a:endParaRPr>
+          </a:p>
+          <a:p>
+            <a:endParaRPr lang="en-US" dirty="0">
+              <a:latin typeface="Lexend Light"/>
+            </a:endParaRPr>
           </a:p>
         </p:txBody>
       </p:sp>
@@ -7376,6 +7707,20 @@
 <file path=ppt/slides/slide5.xml><?xml version="1.0" encoding="utf-8"?>
 <p:sld xmlns:a="http://schemas.openxmlformats.org/drawingml/2006/main" xmlns:r="http://schemas.openxmlformats.org/officeDocument/2006/relationships" xmlns:p="http://schemas.openxmlformats.org/presentationml/2006/main">
   <p:cSld>
+    <p:bg>
+      <p:bgPr>
+        <a:blipFill dpi="0" rotWithShape="1">
+          <a:blip r:embed="rId2">
+            <a:lum/>
+          </a:blip>
+          <a:srcRect/>
+          <a:stretch>
+            <a:fillRect/>
+          </a:stretch>
+        </a:blipFill>
+        <a:effectLst/>
+      </p:bgPr>
+    </p:bg>
     <p:spTree>
       <p:nvGrpSpPr>
         <p:cNvPr id="1" name=""/>
@@ -7406,16 +7751,18 @@
           <a:lstStyle/>
           <a:p>
             <a:r>
-              <a:rPr lang="en-US" b="0" i="0" dirty="0">
+              <a:rPr lang="en-US" b="1" i="0" dirty="0">
                 <a:solidFill>
                   <a:srgbClr val="000000"/>
                 </a:solidFill>
                 <a:effectLst/>
-                <a:latin typeface="+mn-lt"/>
+                <a:latin typeface="Lexend Light"/>
               </a:rPr>
               <a:t>Threading Module example</a:t>
             </a:r>
-            <a:endParaRPr lang="he-IL" dirty="0"/>
+            <a:endParaRPr lang="he-IL" b="1" dirty="0">
+              <a:latin typeface="Lexend Light"/>
+            </a:endParaRPr>
           </a:p>
         </p:txBody>
       </p:sp>
@@ -7435,6 +7782,20 @@
 <file path=ppt/slides/slide6.xml><?xml version="1.0" encoding="utf-8"?>
 <p:sld xmlns:a="http://schemas.openxmlformats.org/drawingml/2006/main" xmlns:r="http://schemas.openxmlformats.org/officeDocument/2006/relationships" xmlns:p="http://schemas.openxmlformats.org/presentationml/2006/main">
   <p:cSld>
+    <p:bg>
+      <p:bgPr>
+        <a:blipFill dpi="0" rotWithShape="1">
+          <a:blip r:embed="rId2">
+            <a:lum/>
+          </a:blip>
+          <a:srcRect/>
+          <a:stretch>
+            <a:fillRect/>
+          </a:stretch>
+        </a:blipFill>
+        <a:effectLst/>
+      </p:bgPr>
+    </p:bg>
     <p:spTree>
       <p:nvGrpSpPr>
         <p:cNvPr id="1" name=""/>
@@ -7467,8 +7828,8 @@
         </p:nvSpPr>
         <p:spPr>
           <a:xfrm>
-            <a:off x="730486" y="15276"/>
-            <a:ext cx="10515600" cy="1325563"/>
+            <a:off x="730486" y="514905"/>
+            <a:ext cx="10515600" cy="825934"/>
           </a:xfrm>
         </p:spPr>
         <p:txBody>
@@ -7476,17 +7837,20 @@
           <a:lstStyle/>
           <a:p>
             <a:r>
-              <a:rPr lang="en-US" b="0" i="0" dirty="0">
-                <a:solidFill>
-                  <a:srgbClr val="000000"/>
+              <a:rPr lang="en-US" b="1" i="0" dirty="0">
+                <a:solidFill>
+                  <a:srgbClr val="0071F6"/>
                 </a:solidFill>
                 <a:effectLst/>
-                <a:latin typeface="+mn-lt"/>
+                <a:latin typeface="Lexend" panose="020B0604020202020204"/>
               </a:rPr>
               <a:t>Threading Module example</a:t>
             </a:r>
-            <a:endParaRPr lang="he-IL" dirty="0">
-              <a:latin typeface="+mn-lt"/>
+            <a:endParaRPr lang="he-IL" b="1" dirty="0">
+              <a:solidFill>
+                <a:srgbClr val="0071F6"/>
+              </a:solidFill>
+              <a:latin typeface="Lexend" panose="020B0604020202020204"/>
               <a:cs typeface="Calibri" panose="020F0502020204030204" pitchFamily="34" charset="0"/>
             </a:endParaRPr>
           </a:p>
@@ -8145,6 +8509,20 @@
 <file path=ppt/slides/slide7.xml><?xml version="1.0" encoding="utf-8"?>
 <p:sld xmlns:a="http://schemas.openxmlformats.org/drawingml/2006/main" xmlns:r="http://schemas.openxmlformats.org/officeDocument/2006/relationships" xmlns:p="http://schemas.openxmlformats.org/presentationml/2006/main">
   <p:cSld>
+    <p:bg>
+      <p:bgPr>
+        <a:blipFill dpi="0" rotWithShape="1">
+          <a:blip r:embed="rId3">
+            <a:lum/>
+          </a:blip>
+          <a:srcRect/>
+          <a:stretch>
+            <a:fillRect/>
+          </a:stretch>
+        </a:blipFill>
+        <a:effectLst/>
+      </p:bgPr>
+    </p:bg>
     <p:spTree>
       <p:nvGrpSpPr>
         <p:cNvPr id="1" name=""/>
@@ -8177,17 +8555,20 @@
           <a:lstStyle/>
           <a:p>
             <a:r>
-              <a:rPr lang="en-US" b="0" i="0" dirty="0">
-                <a:solidFill>
-                  <a:srgbClr val="000000"/>
+              <a:rPr lang="en-US" b="1" i="0" dirty="0">
+                <a:solidFill>
+                  <a:srgbClr val="0071F6"/>
                 </a:solidFill>
                 <a:effectLst/>
-                <a:latin typeface="+mn-lt"/>
+                <a:latin typeface="Lexend" panose="020B0604020202020204"/>
               </a:rPr>
               <a:t>Threading module Synchronization</a:t>
             </a:r>
-            <a:endParaRPr lang="en-US" dirty="0">
-              <a:latin typeface="+mn-lt"/>
+            <a:endParaRPr lang="en-US" b="1" dirty="0">
+              <a:solidFill>
+                <a:srgbClr val="0071F6"/>
+              </a:solidFill>
+              <a:latin typeface="Lexend" panose="020B0604020202020204"/>
             </a:endParaRPr>
           </a:p>
         </p:txBody>
@@ -8205,22 +8586,17 @@
         <p:spPr/>
         <p:txBody>
           <a:bodyPr>
-            <a:normAutofit fontScale="92500" lnSpcReduction="10000"/>
+            <a:normAutofit lnSpcReduction="10000"/>
           </a:bodyPr>
           <a:lstStyle/>
           <a:p>
-            <a:pPr marL="0" indent="0">
-              <a:buNone/>
-            </a:pPr>
-            <a:endParaRPr lang="en-US" dirty="0"/>
-          </a:p>
-          <a:p>
-            <a:r>
-              <a:rPr lang="en-US" b="0" i="0" dirty="0">
+            <a:r>
+              <a:rPr lang="en-US" i="0" dirty="0">
                 <a:solidFill>
                   <a:srgbClr val="000000"/>
                 </a:solidFill>
                 <a:effectLst/>
+                <a:latin typeface="Lexend Light"/>
               </a:rPr>
               <a:t>threading module has 3 classes for threads synchronization, like multiprocessing module </a:t>
             </a:r>
@@ -8228,32 +8604,45 @@
           <a:p>
             <a:pPr lvl="1"/>
             <a:r>
-              <a:rPr lang="en-US" b="0" i="0" dirty="0">
+              <a:rPr lang="en-US" b="1" i="0" dirty="0">
                 <a:solidFill>
                   <a:srgbClr val="000000"/>
                 </a:solidFill>
                 <a:effectLst/>
-              </a:rPr>
-              <a:t>Lock - non-recursive lock object </a:t>
+                <a:latin typeface="Lexend Light"/>
+              </a:rPr>
+              <a:t>Lock </a:t>
+            </a:r>
+            <a:r>
+              <a:rPr lang="en-US" i="0" dirty="0">
+                <a:solidFill>
+                  <a:srgbClr val="000000"/>
+                </a:solidFill>
+                <a:effectLst/>
+                <a:latin typeface="Lexend Light"/>
+              </a:rPr>
+              <a:t>- non-recursive lock object </a:t>
             </a:r>
           </a:p>
           <a:p>
             <a:pPr lvl="1"/>
             <a:r>
-              <a:rPr lang="en-US" b="0" i="0" dirty="0" err="1">
+              <a:rPr lang="en-US" b="1" i="0" dirty="0" err="1">
                 <a:solidFill>
                   <a:srgbClr val="000000"/>
                 </a:solidFill>
                 <a:effectLst/>
+                <a:latin typeface="Lexend Light"/>
               </a:rPr>
               <a:t>Rlock</a:t>
             </a:r>
             <a:r>
-              <a:rPr lang="en-US" b="0" i="0" dirty="0">
+              <a:rPr lang="en-US" i="0" dirty="0">
                 <a:solidFill>
                   <a:srgbClr val="000000"/>
                 </a:solidFill>
                 <a:effectLst/>
+                <a:latin typeface="Lexend Light"/>
               </a:rPr>
               <a:t> - recursive lock object </a:t>
             </a:r>
@@ -8261,11 +8650,12 @@
           <a:p>
             <a:pPr lvl="1"/>
             <a:r>
-              <a:rPr lang="en-US" b="0" i="0" dirty="0">
+              <a:rPr lang="en-US" i="0" dirty="0">
                 <a:solidFill>
                   <a:srgbClr val="000000"/>
                 </a:solidFill>
                 <a:effectLst/>
+                <a:latin typeface="Lexend Light"/>
               </a:rPr>
               <a:t>Semaphore — created with internal counter and can be acquired counter times before released</a:t>
             </a:r>
@@ -8275,6 +8665,7 @@
               <a:solidFill>
                 <a:srgbClr val="000000"/>
               </a:solidFill>
+              <a:latin typeface="Lexend Light"/>
             </a:endParaRPr>
           </a:p>
           <a:p>
@@ -8282,29 +8673,32 @@
               <a:buNone/>
             </a:pPr>
             <a:r>
-              <a:rPr lang="en-US" b="0" i="0" dirty="0">
+              <a:rPr lang="en-US" i="0" dirty="0">
                 <a:solidFill>
                   <a:srgbClr val="000000"/>
                 </a:solidFill>
                 <a:effectLst/>
+                <a:latin typeface="Lexend Light"/>
               </a:rPr>
               <a:t>lock = </a:t>
             </a:r>
             <a:r>
-              <a:rPr lang="en-US" b="0" i="0" dirty="0" err="1">
+              <a:rPr lang="en-US" i="0" dirty="0" err="1">
                 <a:solidFill>
                   <a:srgbClr val="000000"/>
                 </a:solidFill>
                 <a:effectLst/>
+                <a:latin typeface="Lexend Light"/>
               </a:rPr>
               <a:t>threading.Lock</a:t>
             </a:r>
             <a:r>
-              <a:rPr lang="en-US" b="0" i="0" dirty="0">
+              <a:rPr lang="en-US" i="0" dirty="0">
                 <a:solidFill>
                   <a:srgbClr val="000000"/>
                 </a:solidFill>
                 <a:effectLst/>
+                <a:latin typeface="Lexend Light"/>
               </a:rPr>
               <a:t>() </a:t>
             </a:r>
@@ -8314,11 +8708,12 @@
               <a:buNone/>
             </a:pPr>
             <a:r>
-              <a:rPr lang="en-US" b="0" i="0" dirty="0">
+              <a:rPr lang="en-US" i="0" dirty="0">
                 <a:solidFill>
                   <a:srgbClr val="000000"/>
                 </a:solidFill>
                 <a:effectLst/>
+                <a:latin typeface="Lexend Light"/>
               </a:rPr>
               <a:t>with lock: </a:t>
             </a:r>
@@ -8328,15 +8723,17 @@
               <a:buNone/>
             </a:pPr>
             <a:r>
-              <a:rPr lang="en-US" b="0" i="0" dirty="0">
+              <a:rPr lang="en-US" i="0" dirty="0">
                 <a:solidFill>
                   <a:srgbClr val="000000"/>
                 </a:solidFill>
                 <a:effectLst/>
+                <a:latin typeface="Lexend Light"/>
               </a:rPr>
               <a:t>	# critical section code</a:t>
             </a:r>
             <a:endParaRPr lang="en-US" dirty="0">
+              <a:latin typeface="Lexend Light"/>
               <a:cs typeface="Calibri" panose="020F0502020204030204" pitchFamily="34" charset="0"/>
             </a:endParaRPr>
           </a:p>
@@ -8358,6 +8755,20 @@
 <file path=ppt/slides/slide8.xml><?xml version="1.0" encoding="utf-8"?>
 <p:sld xmlns:a="http://schemas.openxmlformats.org/drawingml/2006/main" xmlns:r="http://schemas.openxmlformats.org/officeDocument/2006/relationships" xmlns:p="http://schemas.openxmlformats.org/presentationml/2006/main">
   <p:cSld>
+    <p:bg>
+      <p:bgPr>
+        <a:blipFill dpi="0" rotWithShape="1">
+          <a:blip r:embed="rId3">
+            <a:lum/>
+          </a:blip>
+          <a:srcRect/>
+          <a:stretch>
+            <a:fillRect/>
+          </a:stretch>
+        </a:blipFill>
+        <a:effectLst/>
+      </p:bgPr>
+    </p:bg>
     <p:spTree>
       <p:nvGrpSpPr>
         <p:cNvPr id="1" name=""/>
@@ -8390,22 +8801,15 @@
           <a:lstStyle/>
           <a:p>
             <a:r>
-              <a:rPr lang="en-US" b="0" i="0" dirty="0">
-                <a:solidFill>
-                  <a:srgbClr val="000000"/>
+              <a:rPr lang="en-US" b="1" i="0" dirty="0">
+                <a:solidFill>
+                  <a:srgbClr val="0071F6"/>
                 </a:solidFill>
                 <a:effectLst/>
-                <a:latin typeface="+mn-lt"/>
+                <a:latin typeface="Lexend" panose="020B0604020202020204"/>
               </a:rPr>
               <a:t>The Global Interpreter Lock</a:t>
             </a:r>
-            <a:endParaRPr lang="en-US" i="0" dirty="0">
-              <a:solidFill>
-                <a:srgbClr val="242424"/>
-              </a:solidFill>
-              <a:effectLst/>
-              <a:latin typeface="+mn-lt"/>
-            </a:endParaRPr>
           </a:p>
         </p:txBody>
       </p:sp>
@@ -8422,152 +8826,155 @@
         <p:spPr>
           <a:xfrm>
             <a:off x="838200" y="1825625"/>
-            <a:ext cx="10515600" cy="1974018"/>
+            <a:ext cx="10515600" cy="1603375"/>
           </a:xfrm>
         </p:spPr>
         <p:txBody>
           <a:bodyPr>
-            <a:normAutofit fontScale="62500" lnSpcReduction="20000"/>
+            <a:noAutofit/>
           </a:bodyPr>
           <a:lstStyle/>
           <a:p>
             <a:r>
-              <a:rPr lang="en-US" sz="2000" b="0" i="0" dirty="0">
+              <a:rPr lang="en-US" sz="1800" b="0" i="0" dirty="0">
                 <a:solidFill>
                   <a:srgbClr val="000000"/>
                 </a:solidFill>
                 <a:effectLst/>
+                <a:latin typeface="Lexend Light"/>
               </a:rPr>
               <a:t>In </a:t>
             </a:r>
             <a:r>
-              <a:rPr lang="en-US" sz="2000" b="0" i="0" dirty="0" err="1">
+              <a:rPr lang="en-US" sz="1800" b="0" i="0" dirty="0" err="1">
                 <a:solidFill>
                   <a:srgbClr val="000000"/>
                 </a:solidFill>
                 <a:effectLst/>
+                <a:latin typeface="Lexend Light"/>
               </a:rPr>
               <a:t>CPython</a:t>
             </a:r>
             <a:r>
-              <a:rPr lang="en-US" sz="2000" b="0" i="0" dirty="0">
+              <a:rPr lang="en-US" sz="1800" b="0" i="0" dirty="0">
                 <a:solidFill>
                   <a:srgbClr val="000000"/>
                 </a:solidFill>
                 <a:effectLst/>
+                <a:latin typeface="Lexend Light"/>
               </a:rPr>
               <a:t>, the Global Interpreter Lock (GIL), is a mutex that protects access to Python objects, preventing multiple threads from executing Python bytecodes at once.</a:t>
             </a:r>
           </a:p>
           <a:p>
-            <a:endParaRPr lang="en-US" sz="2000" b="0" i="0" dirty="0">
+            <a:r>
+              <a:rPr lang="en-US" sz="1800" b="0" i="0" dirty="0">
+                <a:solidFill>
+                  <a:srgbClr val="000000"/>
+                </a:solidFill>
+                <a:effectLst/>
+                <a:latin typeface="Lexend Light"/>
+              </a:rPr>
+              <a:t>The GIL is controversial because it prevents multithreaded </a:t>
+            </a:r>
+            <a:r>
+              <a:rPr lang="en-US" sz="1800" b="0" i="0" dirty="0" err="1">
+                <a:solidFill>
+                  <a:srgbClr val="000000"/>
+                </a:solidFill>
+                <a:effectLst/>
+                <a:latin typeface="Lexend Light"/>
+              </a:rPr>
+              <a:t>CPython</a:t>
+            </a:r>
+            <a:r>
+              <a:rPr lang="en-US" sz="1800" b="0" i="0" dirty="0">
+                <a:solidFill>
+                  <a:srgbClr val="000000"/>
+                </a:solidFill>
+                <a:effectLst/>
+                <a:latin typeface="Lexend Light"/>
+              </a:rPr>
+              <a:t> programs from taking full advantage of multiprocessor systems </a:t>
+            </a:r>
+            <a:endParaRPr lang="en-US" sz="1800" dirty="0">
               <a:solidFill>
                 <a:srgbClr val="000000"/>
               </a:solidFill>
-              <a:effectLst/>
+              <a:latin typeface="Lexend Light"/>
             </a:endParaRPr>
           </a:p>
           <a:p>
             <a:r>
-              <a:rPr lang="en-US" sz="2000" b="0" i="0" dirty="0">
+              <a:rPr lang="en-US" sz="1800" b="0" i="0" dirty="0">
                 <a:solidFill>
                   <a:srgbClr val="000000"/>
                 </a:solidFill>
                 <a:effectLst/>
-              </a:rPr>
-              <a:t>The GIL is controversial because it prevents multithreaded </a:t>
-            </a:r>
-            <a:r>
-              <a:rPr lang="en-US" sz="2000" b="0" i="0" dirty="0" err="1">
-                <a:solidFill>
-                  <a:srgbClr val="000000"/>
-                </a:solidFill>
-                <a:effectLst/>
-              </a:rPr>
-              <a:t>CPython</a:t>
-            </a:r>
-            <a:r>
-              <a:rPr lang="en-US" sz="2000" b="0" i="0" dirty="0">
-                <a:solidFill>
-                  <a:srgbClr val="000000"/>
-                </a:solidFill>
-                <a:effectLst/>
-              </a:rPr>
-              <a:t> programs from taking full advantage of multiprocessor systems </a:t>
-            </a:r>
-          </a:p>
-          <a:p>
-            <a:endParaRPr lang="en-US" sz="2000" dirty="0">
+                <a:latin typeface="Lexend Light"/>
+              </a:rPr>
+              <a:t>There are some GIL free operations, such as I/O and image processing. They happen outside the GIL. </a:t>
+            </a:r>
+            <a:endParaRPr lang="en-US" sz="1800" dirty="0">
               <a:solidFill>
                 <a:srgbClr val="000000"/>
               </a:solidFill>
+              <a:latin typeface="Lexend Light"/>
             </a:endParaRPr>
           </a:p>
           <a:p>
             <a:r>
-              <a:rPr lang="en-US" sz="2000" b="0" i="0" dirty="0">
+              <a:rPr lang="en-US" sz="1800" b="0" i="0" dirty="0">
                 <a:solidFill>
                   <a:srgbClr val="000000"/>
                 </a:solidFill>
                 <a:effectLst/>
-              </a:rPr>
-              <a:t>There are some GIL free operations, such as I/O and image processing. They happen outside the GIL. </a:t>
-            </a:r>
-          </a:p>
-          <a:p>
-            <a:endParaRPr lang="en-US" sz="2000" dirty="0">
-              <a:solidFill>
-                <a:srgbClr val="000000"/>
-              </a:solidFill>
-            </a:endParaRPr>
-          </a:p>
-          <a:p>
-            <a:r>
-              <a:rPr lang="en-US" sz="2000" b="0" i="0" dirty="0">
+                <a:latin typeface="Lexend Light"/>
+              </a:rPr>
+              <a:t>The multithreaded programs that spend a lot of time inside the’ </a:t>
+            </a:r>
+            <a:r>
+              <a:rPr lang="en-US" sz="1800" b="0" i="0" dirty="0" err="1">
                 <a:solidFill>
                   <a:srgbClr val="000000"/>
                 </a:solidFill>
                 <a:effectLst/>
-              </a:rPr>
-              <a:t>The multithreaded programs that spend a lot of time inside the’ </a:t>
-            </a:r>
-            <a:r>
-              <a:rPr lang="en-US" sz="2000" b="0" i="0" dirty="0" err="1">
+                <a:latin typeface="Lexend Light"/>
+              </a:rPr>
+              <a:t>i</a:t>
+            </a:r>
+            <a:r>
+              <a:rPr lang="en-US" sz="1800" b="0" i="0" dirty="0">
                 <a:solidFill>
                   <a:srgbClr val="000000"/>
                 </a:solidFill>
                 <a:effectLst/>
-              </a:rPr>
-              <a:t>i</a:t>
-            </a:r>
-            <a:r>
-              <a:rPr lang="en-US" sz="2000" b="0" i="0" dirty="0">
+                <a:latin typeface="Lexend Light"/>
+              </a:rPr>
+              <a:t> GIL, interpreting </a:t>
+            </a:r>
+            <a:r>
+              <a:rPr lang="en-US" sz="1800" b="0" i="0" dirty="0" err="1">
                 <a:solidFill>
                   <a:srgbClr val="000000"/>
                 </a:solidFill>
                 <a:effectLst/>
-              </a:rPr>
-              <a:t> GIL, interpreting </a:t>
-            </a:r>
-            <a:r>
-              <a:rPr lang="en-US" sz="2000" b="0" i="0" dirty="0" err="1">
+                <a:latin typeface="Lexend Light"/>
+              </a:rPr>
+              <a:t>CPython</a:t>
+            </a:r>
+            <a:r>
+              <a:rPr lang="en-US" sz="1800" b="0" i="0" dirty="0">
                 <a:solidFill>
                   <a:srgbClr val="000000"/>
                 </a:solidFill>
                 <a:effectLst/>
-              </a:rPr>
-              <a:t>CPython</a:t>
-            </a:r>
-            <a:r>
-              <a:rPr lang="en-US" sz="2000" b="0" i="0" dirty="0">
-                <a:solidFill>
-                  <a:srgbClr val="000000"/>
-                </a:solidFill>
-                <a:effectLst/>
+                <a:latin typeface="Lexend Light"/>
               </a:rPr>
               <a:t> bytecode, that the GIL becomes a bottleneck</a:t>
             </a:r>
-            <a:endParaRPr lang="en-US" sz="2000" dirty="0">
+            <a:endParaRPr lang="en-US" sz="1800" dirty="0">
+              <a:latin typeface="Lexend Light"/>
               <a:cs typeface="Calibri" panose="020F0502020204030204" pitchFamily="34" charset="0"/>
             </a:endParaRPr>
           </a:p>
@@ -8588,7 +8995,7 @@
           <p:nvPr/>
         </p:nvPicPr>
         <p:blipFill>
-          <a:blip r:embed="rId3">
+          <a:blip r:embed="rId4">
             <a:extLst>
               <a:ext uri="{28A0092B-C50C-407E-A947-70E740481C1C}">
                 <a14:useLocalDpi xmlns:a14="http://schemas.microsoft.com/office/drawing/2010/main" val="0"/>
@@ -8602,8 +9009,8 @@
         </p:blipFill>
         <p:spPr bwMode="auto">
           <a:xfrm>
-            <a:off x="2992099" y="3934580"/>
-            <a:ext cx="5051069" cy="2699382"/>
+            <a:off x="3071674" y="3977106"/>
+            <a:ext cx="4971494" cy="2656856"/>
           </a:xfrm>
           <a:prstGeom prst="rect">
             <a:avLst/>
@@ -8636,6 +9043,20 @@
 <file path=ppt/slides/slide9.xml><?xml version="1.0" encoding="utf-8"?>
 <p:sld xmlns:a="http://schemas.openxmlformats.org/drawingml/2006/main" xmlns:r="http://schemas.openxmlformats.org/officeDocument/2006/relationships" xmlns:p="http://schemas.openxmlformats.org/presentationml/2006/main">
   <p:cSld>
+    <p:bg>
+      <p:bgPr>
+        <a:blipFill dpi="0" rotWithShape="1">
+          <a:blip r:embed="rId2">
+            <a:lum/>
+          </a:blip>
+          <a:srcRect/>
+          <a:stretch>
+            <a:fillRect/>
+          </a:stretch>
+        </a:blipFill>
+        <a:effectLst/>
+      </p:bgPr>
+    </p:bg>
     <p:spTree>
       <p:nvGrpSpPr>
         <p:cNvPr id="1" name=""/>
@@ -8652,7 +9073,7 @@
       </p:grpSpPr>
       <p:sp>
         <p:nvSpPr>
-          <p:cNvPr id="7" name="Title 6"/>
+          <p:cNvPr id="3" name="Title 2"/>
           <p:cNvSpPr>
             <a:spLocks noGrp="1"/>
           </p:cNvSpPr>
@@ -8666,17 +9087,21 @@
           <a:lstStyle/>
           <a:p>
             <a:r>
-              <a:rPr lang="en-US"/>
-              <a:t>Console Methods</a:t>
-            </a:r>
-            <a:endParaRPr lang="he-IL"/>
+              <a:rPr lang="en-US" b="1" dirty="0">
+                <a:latin typeface="Lexend Light"/>
+              </a:rPr>
+              <a:t>Lab 01</a:t>
+            </a:r>
+            <a:endParaRPr lang="he-IL" b="1" dirty="0">
+              <a:latin typeface="Lexend Light"/>
+            </a:endParaRPr>
           </a:p>
         </p:txBody>
       </p:sp>
     </p:spTree>
     <p:extLst>
       <p:ext uri="{BB962C8B-B14F-4D97-AF65-F5344CB8AC3E}">
-        <p14:creationId xmlns:p14="http://schemas.microsoft.com/office/powerpoint/2010/main" val="3816041889"/>
+        <p14:creationId xmlns:p14="http://schemas.microsoft.com/office/powerpoint/2010/main" val="2767821557"/>
       </p:ext>
     </p:extLst>
   </p:cSld>
